--- a/Documentation/PresentationDeck-NewBlood.pptx
+++ b/Documentation/PresentationDeck-NewBlood.pptx
@@ -215,7 +215,7 @@
             <a:fld id="{7AB488F7-1FAC-40D2-BB7E-BA3CE28D8950}" type="datetimeFigureOut">
               <a:rPr lang="en-US" smtClean="0"/>
               <a:pPr/>
-              <a:t>11/9/2020</a:t>
+              <a:t>11/10/2020</a:t>
             </a:fld>
             <a:endParaRPr lang="en-US"/>
           </a:p>
@@ -691,7 +691,7 @@
             <a:fld id="{9578D6DB-6798-42D2-B9AD-FC6F1C72FC30}" type="datetimeFigureOut">
               <a:rPr lang="en-US" smtClean="0"/>
               <a:pPr/>
-              <a:t>11/9/2020</a:t>
+              <a:t>11/10/2020</a:t>
             </a:fld>
             <a:endParaRPr lang="en-US"/>
           </a:p>
@@ -796,7 +796,7 @@
             <a:fld id="{425404F2-BE9A-4460-8815-8F645183555F}" type="datetimeFigureOut">
               <a:rPr lang="en-US" smtClean="0"/>
               <a:pPr/>
-              <a:t>11/9/2020</a:t>
+              <a:t>11/10/2020</a:t>
             </a:fld>
             <a:endParaRPr lang="en-US"/>
           </a:p>
@@ -939,7 +939,7 @@
             <a:fld id="{425404F2-BE9A-4460-8815-8F645183555F}" type="datetimeFigureOut">
               <a:rPr lang="en-US" smtClean="0"/>
               <a:pPr/>
-              <a:t>11/9/2020</a:t>
+              <a:t>11/10/2020</a:t>
             </a:fld>
             <a:endParaRPr lang="en-US"/>
           </a:p>
@@ -1261,7 +1261,7 @@
             <a:fld id="{425404F2-BE9A-4460-8815-8F645183555F}" type="datetimeFigureOut">
               <a:rPr lang="en-US" smtClean="0"/>
               <a:pPr/>
-              <a:t>11/9/2020</a:t>
+              <a:t>11/10/2020</a:t>
             </a:fld>
             <a:endParaRPr lang="en-US"/>
           </a:p>
@@ -1523,7 +1523,7 @@
             <a:fld id="{425404F2-BE9A-4460-8815-8F645183555F}" type="datetimeFigureOut">
               <a:rPr lang="en-US" smtClean="0"/>
               <a:pPr/>
-              <a:t>11/9/2020</a:t>
+              <a:t>11/10/2020</a:t>
             </a:fld>
             <a:endParaRPr lang="en-US"/>
           </a:p>
@@ -1701,7 +1701,7 @@
             <a:fld id="{425404F2-BE9A-4460-8815-8F645183555F}" type="datetimeFigureOut">
               <a:rPr lang="en-US" smtClean="0"/>
               <a:pPr/>
-              <a:t>11/9/2020</a:t>
+              <a:t>11/10/2020</a:t>
             </a:fld>
             <a:endParaRPr lang="en-US"/>
           </a:p>
@@ -1889,7 +1889,7 @@
             <a:fld id="{425404F2-BE9A-4460-8815-8F645183555F}" type="datetimeFigureOut">
               <a:rPr lang="en-US" smtClean="0"/>
               <a:pPr/>
-              <a:t>11/9/2020</a:t>
+              <a:t>11/10/2020</a:t>
             </a:fld>
             <a:endParaRPr lang="en-US"/>
           </a:p>
@@ -2139,7 +2139,7 @@
             <a:fld id="{425404F2-BE9A-4460-8815-8F645183555F}" type="datetimeFigureOut">
               <a:rPr lang="en-US" smtClean="0"/>
               <a:pPr/>
-              <a:t>11/9/2020</a:t>
+              <a:t>11/10/2020</a:t>
             </a:fld>
             <a:endParaRPr lang="en-US"/>
           </a:p>
@@ -2317,7 +2317,7 @@
             <a:fld id="{425404F2-BE9A-4460-8815-8F645183555F}" type="datetimeFigureOut">
               <a:rPr lang="en-US" smtClean="0"/>
               <a:pPr/>
-              <a:t>11/9/2020</a:t>
+              <a:t>11/10/2020</a:t>
             </a:fld>
             <a:endParaRPr lang="en-US"/>
           </a:p>
@@ -2572,7 +2572,7 @@
             <a:fld id="{425404F2-BE9A-4460-8815-8F645183555F}" type="datetimeFigureOut">
               <a:rPr lang="en-US" smtClean="0"/>
               <a:pPr/>
-              <a:t>11/9/2020</a:t>
+              <a:t>11/10/2020</a:t>
             </a:fld>
             <a:endParaRPr lang="en-US"/>
           </a:p>
@@ -2867,7 +2867,7 @@
             <a:fld id="{425404F2-BE9A-4460-8815-8F645183555F}" type="datetimeFigureOut">
               <a:rPr lang="en-US" smtClean="0"/>
               <a:pPr/>
-              <a:t>11/9/2020</a:t>
+              <a:t>11/10/2020</a:t>
             </a:fld>
             <a:endParaRPr lang="en-US"/>
           </a:p>
@@ -3296,7 +3296,7 @@
             <a:fld id="{425404F2-BE9A-4460-8815-8F645183555F}" type="datetimeFigureOut">
               <a:rPr lang="en-US" smtClean="0"/>
               <a:pPr/>
-              <a:t>11/9/2020</a:t>
+              <a:t>11/10/2020</a:t>
             </a:fld>
             <a:endParaRPr lang="en-US"/>
           </a:p>
@@ -3429,7 +3429,7 @@
             <a:fld id="{425404F2-BE9A-4460-8815-8F645183555F}" type="datetimeFigureOut">
               <a:rPr lang="en-US" smtClean="0"/>
               <a:pPr/>
-              <a:t>11/9/2020</a:t>
+              <a:t>11/10/2020</a:t>
             </a:fld>
             <a:endParaRPr lang="en-US"/>
           </a:p>
@@ -3599,7 +3599,7 @@
             <a:fld id="{425404F2-BE9A-4460-8815-8F645183555F}" type="datetimeFigureOut">
               <a:rPr lang="en-US" smtClean="0"/>
               <a:pPr/>
-              <a:t>11/9/2020</a:t>
+              <a:t>11/10/2020</a:t>
             </a:fld>
             <a:endParaRPr lang="en-US"/>
           </a:p>
@@ -3773,7 +3773,7 @@
             <a:fld id="{425404F2-BE9A-4460-8815-8F645183555F}" type="datetimeFigureOut">
               <a:rPr lang="en-US" smtClean="0"/>
               <a:pPr/>
-              <a:t>11/9/2020</a:t>
+              <a:t>11/10/2020</a:t>
             </a:fld>
             <a:endParaRPr lang="en-US"/>
           </a:p>
@@ -3989,7 +3989,7 @@
             <a:fld id="{425404F2-BE9A-4460-8815-8F645183555F}" type="datetimeFigureOut">
               <a:rPr lang="en-US" smtClean="0"/>
               <a:pPr/>
-              <a:t>11/9/2020</a:t>
+              <a:t>11/10/2020</a:t>
             </a:fld>
             <a:endParaRPr lang="en-US"/>
           </a:p>
@@ -4408,7 +4408,7 @@
           <a:p>
             <a:pPr algn="ctr"/>
             <a:r>
-              <a:rPr lang="en-IN" sz="2800" dirty="0" smtClean="0">
+              <a:rPr lang="en-IN" sz="2800" dirty="0">
                 <a:solidFill>
                   <a:schemeClr val="bg1"/>
                 </a:solidFill>
@@ -4418,14 +4418,6 @@
               </a:rPr>
               <a:t> Dell Hack2Hire Presentation Deck</a:t>
             </a:r>
-            <a:endParaRPr lang="en-IN" sz="2800" dirty="0">
-              <a:solidFill>
-                <a:schemeClr val="bg1"/>
-              </a:solidFill>
-              <a:latin typeface="Open Sans" pitchFamily="34" charset="0"/>
-              <a:ea typeface="Open Sans" pitchFamily="34" charset="0"/>
-              <a:cs typeface="Open Sans" pitchFamily="34" charset="0"/>
-            </a:endParaRPr>
           </a:p>
         </p:txBody>
       </p:sp>
@@ -4488,7 +4480,7 @@
             <a:p>
               <a:pPr algn="ctr"/>
               <a:r>
-                <a:rPr lang="en-IN" sz="4000" b="1" dirty="0" smtClean="0">
+                <a:rPr lang="en-IN" sz="4000" b="1" dirty="0">
                   <a:solidFill>
                     <a:schemeClr val="bg1"/>
                   </a:solidFill>
@@ -4498,14 +4490,6 @@
                 </a:rPr>
                 <a:t>New Blood Team</a:t>
               </a:r>
-              <a:endParaRPr lang="en-IN" sz="4000" b="1" dirty="0">
-                <a:solidFill>
-                  <a:schemeClr val="bg1"/>
-                </a:solidFill>
-                <a:latin typeface="Open Sans" pitchFamily="34" charset="0"/>
-                <a:ea typeface="Open Sans" pitchFamily="34" charset="0"/>
-                <a:cs typeface="Open Sans" pitchFamily="34" charset="0"/>
-              </a:endParaRPr>
             </a:p>
           </p:txBody>
         </p:sp>
@@ -4637,7 +4621,7 @@
           <a:lstStyle/>
           <a:p>
             <a:r>
-              <a:rPr lang="en-IN" b="1" dirty="0" smtClean="0">
+              <a:rPr lang="en-IN" b="1" dirty="0">
                 <a:solidFill>
                   <a:schemeClr val="tx1">
                     <a:lumMod val="65000"/>
@@ -4650,17 +4634,6 @@
               </a:rPr>
               <a:t>New Blood Team</a:t>
             </a:r>
-            <a:endParaRPr lang="en-IN" b="1" dirty="0">
-              <a:solidFill>
-                <a:schemeClr val="tx1">
-                  <a:lumMod val="65000"/>
-                  <a:lumOff val="35000"/>
-                </a:schemeClr>
-              </a:solidFill>
-              <a:latin typeface="Open Sans" pitchFamily="34" charset="0"/>
-              <a:ea typeface="Open Sans" pitchFamily="34" charset="0"/>
-              <a:cs typeface="Open Sans" pitchFamily="34" charset="0"/>
-            </a:endParaRPr>
           </a:p>
         </p:txBody>
       </p:sp>
@@ -4692,7 +4665,7 @@
               </a:lnSpc>
             </a:pPr>
             <a:r>
-              <a:rPr lang="es-US" sz="1400" dirty="0" smtClean="0">
+              <a:rPr lang="es-US" sz="1400" dirty="0">
                 <a:solidFill>
                   <a:schemeClr val="tx1">
                     <a:lumMod val="65000"/>
@@ -4706,7 +4679,7 @@
               <a:t>Front-</a:t>
             </a:r>
             <a:r>
-              <a:rPr lang="es-US" sz="1400" dirty="0" err="1" smtClean="0">
+              <a:rPr lang="es-US" sz="1400" dirty="0" err="1">
                 <a:solidFill>
                   <a:schemeClr val="tx1">
                     <a:lumMod val="65000"/>
@@ -4720,7 +4693,7 @@
               <a:t>End</a:t>
             </a:r>
             <a:r>
-              <a:rPr lang="es-US" sz="1400" dirty="0" smtClean="0">
+              <a:rPr lang="es-US" sz="1400" dirty="0">
                 <a:solidFill>
                   <a:schemeClr val="tx1">
                     <a:lumMod val="65000"/>
@@ -4734,7 +4707,7 @@
               <a:t> </a:t>
             </a:r>
             <a:r>
-              <a:rPr lang="es-US" sz="1400" dirty="0" err="1" smtClean="0">
+              <a:rPr lang="es-US" sz="1400" dirty="0" err="1">
                 <a:solidFill>
                   <a:schemeClr val="tx1">
                     <a:lumMod val="65000"/>
@@ -4784,7 +4757,7 @@
           <a:lstStyle/>
           <a:p>
             <a:r>
-              <a:rPr lang="en-US" sz="2000" kern="0" dirty="0" smtClean="0">
+              <a:rPr lang="en-US" sz="2000" kern="0" dirty="0">
                 <a:solidFill>
                   <a:schemeClr val="tx1">
                     <a:lumMod val="65000"/>
@@ -4797,17 +4770,6 @@
               </a:rPr>
               <a:t>Lee Jian Sheng</a:t>
             </a:r>
-            <a:endParaRPr lang="en-US" sz="2000" kern="0" dirty="0">
-              <a:solidFill>
-                <a:schemeClr val="tx1">
-                  <a:lumMod val="65000"/>
-                  <a:lumOff val="35000"/>
-                </a:schemeClr>
-              </a:solidFill>
-              <a:latin typeface="Open Sans" pitchFamily="34" charset="0"/>
-              <a:ea typeface="Open Sans" pitchFamily="34" charset="0"/>
-              <a:cs typeface="Open Sans" pitchFamily="34" charset="0"/>
-            </a:endParaRPr>
           </a:p>
         </p:txBody>
       </p:sp>
@@ -4839,7 +4801,7 @@
               </a:lnSpc>
             </a:pPr>
             <a:r>
-              <a:rPr lang="es-US" sz="1400" dirty="0" smtClean="0">
+              <a:rPr lang="es-US" sz="1400" dirty="0">
                 <a:solidFill>
                   <a:schemeClr val="tx1">
                     <a:lumMod val="65000"/>
@@ -4853,7 +4815,7 @@
               <a:t>Back-</a:t>
             </a:r>
             <a:r>
-              <a:rPr lang="es-US" sz="1400" dirty="0" err="1" smtClean="0">
+              <a:rPr lang="es-US" sz="1400" dirty="0" err="1">
                 <a:solidFill>
                   <a:schemeClr val="tx1">
                     <a:lumMod val="65000"/>
@@ -4867,7 +4829,7 @@
               <a:t>End</a:t>
             </a:r>
             <a:r>
-              <a:rPr lang="es-US" sz="1400" dirty="0" smtClean="0">
+              <a:rPr lang="es-US" sz="1400" dirty="0">
                 <a:solidFill>
                   <a:schemeClr val="tx1">
                     <a:lumMod val="65000"/>
@@ -4881,7 +4843,7 @@
               <a:t> </a:t>
             </a:r>
             <a:r>
-              <a:rPr lang="es-US" sz="1400" dirty="0" err="1" smtClean="0">
+              <a:rPr lang="es-US" sz="1400" dirty="0" err="1">
                 <a:solidFill>
                   <a:schemeClr val="tx1">
                     <a:lumMod val="65000"/>
@@ -4931,7 +4893,7 @@
           <a:lstStyle/>
           <a:p>
             <a:r>
-              <a:rPr lang="en-US" sz="2000" kern="0" dirty="0" smtClean="0">
+              <a:rPr lang="en-US" sz="2000" kern="0" dirty="0">
                 <a:solidFill>
                   <a:schemeClr val="tx1">
                     <a:lumMod val="65000"/>
@@ -4945,7 +4907,7 @@
               <a:t>Tan </a:t>
             </a:r>
             <a:r>
-              <a:rPr lang="en-US" sz="2000" kern="0" dirty="0" err="1" smtClean="0">
+              <a:rPr lang="en-US" sz="2000" kern="0" dirty="0" err="1">
                 <a:solidFill>
                   <a:schemeClr val="tx1">
                     <a:lumMod val="65000"/>
@@ -4959,7 +4921,7 @@
               <a:t>Zhong</a:t>
             </a:r>
             <a:r>
-              <a:rPr lang="en-US" sz="2000" kern="0" dirty="0" smtClean="0">
+              <a:rPr lang="en-US" sz="2000" kern="0" dirty="0">
                 <a:solidFill>
                   <a:schemeClr val="tx1">
                     <a:lumMod val="65000"/>
@@ -4972,17 +4934,6 @@
               </a:rPr>
               <a:t> Ming</a:t>
             </a:r>
-            <a:endParaRPr lang="en-US" sz="2000" kern="0" dirty="0">
-              <a:solidFill>
-                <a:schemeClr val="tx1">
-                  <a:lumMod val="65000"/>
-                  <a:lumOff val="35000"/>
-                </a:schemeClr>
-              </a:solidFill>
-              <a:latin typeface="Open Sans" pitchFamily="34" charset="0"/>
-              <a:ea typeface="Open Sans" pitchFamily="34" charset="0"/>
-              <a:cs typeface="Open Sans" pitchFamily="34" charset="0"/>
-            </a:endParaRPr>
           </a:p>
         </p:txBody>
       </p:sp>
@@ -5014,7 +4965,7 @@
               </a:lnSpc>
             </a:pPr>
             <a:r>
-              <a:rPr lang="es-US" sz="1400" dirty="0" smtClean="0">
+              <a:rPr lang="es-US" sz="1400" dirty="0">
                 <a:solidFill>
                   <a:schemeClr val="tx1">
                     <a:lumMod val="65000"/>
@@ -5028,7 +4979,7 @@
               <a:t>Front-</a:t>
             </a:r>
             <a:r>
-              <a:rPr lang="es-US" sz="1400" dirty="0" err="1" smtClean="0">
+              <a:rPr lang="es-US" sz="1400" dirty="0" err="1">
                 <a:solidFill>
                   <a:schemeClr val="tx1">
                     <a:lumMod val="65000"/>
@@ -5042,7 +4993,7 @@
               <a:t>End</a:t>
             </a:r>
             <a:r>
-              <a:rPr lang="es-US" sz="1400" dirty="0" smtClean="0">
+              <a:rPr lang="es-US" sz="1400" dirty="0">
                 <a:solidFill>
                   <a:schemeClr val="tx1">
                     <a:lumMod val="65000"/>
@@ -5056,7 +5007,7 @@
               <a:t> </a:t>
             </a:r>
             <a:r>
-              <a:rPr lang="es-US" sz="1400" dirty="0" err="1" smtClean="0">
+              <a:rPr lang="es-US" sz="1400" dirty="0" err="1">
                 <a:solidFill>
                   <a:schemeClr val="tx1">
                     <a:lumMod val="65000"/>
@@ -5106,7 +5057,7 @@
           <a:lstStyle/>
           <a:p>
             <a:r>
-              <a:rPr lang="en-US" sz="2000" kern="0" dirty="0" err="1" smtClean="0">
+              <a:rPr lang="en-US" sz="2000" kern="0" dirty="0" err="1">
                 <a:solidFill>
                   <a:schemeClr val="tx1">
                     <a:lumMod val="65000"/>
@@ -5120,7 +5071,7 @@
               <a:t>Reshmi</a:t>
             </a:r>
             <a:r>
-              <a:rPr lang="en-US" sz="2000" kern="0" dirty="0" smtClean="0">
+              <a:rPr lang="en-US" sz="2000" kern="0" dirty="0">
                 <a:solidFill>
                   <a:schemeClr val="tx1">
                     <a:lumMod val="65000"/>
@@ -5134,7 +5085,7 @@
               <a:t> </a:t>
             </a:r>
             <a:r>
-              <a:rPr lang="en-US" sz="2000" kern="0" dirty="0" err="1" smtClean="0">
+              <a:rPr lang="en-US" sz="2000" kern="0" dirty="0" err="1">
                 <a:solidFill>
                   <a:schemeClr val="tx1">
                     <a:lumMod val="65000"/>
@@ -5189,7 +5140,7 @@
               </a:lnSpc>
             </a:pPr>
             <a:r>
-              <a:rPr lang="es-US" sz="1400" dirty="0" smtClean="0">
+              <a:rPr lang="es-US" sz="1400" dirty="0">
                 <a:solidFill>
                   <a:schemeClr val="tx1">
                     <a:lumMod val="65000"/>
@@ -5203,7 +5154,7 @@
               <a:t>Back-</a:t>
             </a:r>
             <a:r>
-              <a:rPr lang="es-US" sz="1400" dirty="0" err="1" smtClean="0">
+              <a:rPr lang="es-US" sz="1400" dirty="0" err="1">
                 <a:solidFill>
                   <a:schemeClr val="tx1">
                     <a:lumMod val="65000"/>
@@ -5217,7 +5168,7 @@
               <a:t>End</a:t>
             </a:r>
             <a:r>
-              <a:rPr lang="es-US" sz="1400" dirty="0" smtClean="0">
+              <a:rPr lang="es-US" sz="1400" dirty="0">
                 <a:solidFill>
                   <a:schemeClr val="tx1">
                     <a:lumMod val="65000"/>
@@ -5231,7 +5182,7 @@
               <a:t> </a:t>
             </a:r>
             <a:r>
-              <a:rPr lang="es-US" sz="1400" dirty="0" err="1" smtClean="0">
+              <a:rPr lang="es-US" sz="1400" dirty="0" err="1">
                 <a:solidFill>
                   <a:schemeClr val="tx1">
                     <a:lumMod val="65000"/>
@@ -5281,7 +5232,7 @@
           <a:lstStyle/>
           <a:p>
             <a:r>
-              <a:rPr lang="en-US" sz="2000" kern="0" dirty="0" smtClean="0">
+              <a:rPr lang="en-US" sz="2000" kern="0" dirty="0">
                 <a:solidFill>
                   <a:schemeClr val="tx1">
                     <a:lumMod val="65000"/>
@@ -5295,7 +5246,7 @@
               <a:t>Ho Jing </a:t>
             </a:r>
             <a:r>
-              <a:rPr lang="en-US" sz="2000" kern="0" dirty="0" err="1" smtClean="0">
+              <a:rPr lang="en-US" sz="2000" kern="0" dirty="0" err="1">
                 <a:solidFill>
                   <a:schemeClr val="tx1">
                     <a:lumMod val="65000"/>
@@ -29912,7 +29863,7 @@
           <a:p>
             <a:pPr algn="ctr"/>
             <a:r>
-              <a:rPr lang="en-MY" sz="2000" dirty="0" smtClean="0">
+              <a:rPr lang="en-MY" sz="2000" dirty="0">
                 <a:solidFill>
                   <a:schemeClr val="tx1">
                     <a:lumMod val="65000"/>
@@ -29923,15 +29874,6 @@
               </a:rPr>
               <a:t>Special thanks to mentors Mr. Tang &amp; Ms. Stephanie</a:t>
             </a:r>
-            <a:endParaRPr lang="en-MY" sz="2000" dirty="0">
-              <a:solidFill>
-                <a:schemeClr val="tx1">
-                  <a:lumMod val="65000"/>
-                  <a:lumOff val="35000"/>
-                </a:schemeClr>
-              </a:solidFill>
-              <a:latin typeface="Open Sans" panose="020B0606030504020204"/>
-            </a:endParaRPr>
           </a:p>
         </p:txBody>
       </p:sp>
@@ -30007,7 +29949,7 @@
               <a:t>The </a:t>
             </a:r>
             <a:r>
-              <a:rPr lang="en-US" b="1" dirty="0" smtClean="0">
+              <a:rPr lang="en-US" b="1" dirty="0">
                 <a:solidFill>
                   <a:schemeClr val="bg1"/>
                 </a:solidFill>
@@ -30077,7 +30019,7 @@
               </a:lnSpc>
             </a:pPr>
             <a:r>
-              <a:rPr lang="es-US" sz="1800" dirty="0" smtClean="0">
+              <a:rPr lang="es-US" sz="1800" dirty="0">
                 <a:solidFill>
                   <a:schemeClr val="tx1">
                     <a:lumMod val="65000"/>
@@ -30088,63 +30030,7 @@
                 <a:ea typeface="Open Sans" pitchFamily="34" charset="0"/>
                 <a:cs typeface="Open Sans" pitchFamily="34" charset="0"/>
               </a:rPr>
-              <a:t>IT </a:t>
-            </a:r>
-            <a:r>
-              <a:rPr lang="es-US" sz="1800" dirty="0" smtClean="0">
-                <a:solidFill>
-                  <a:schemeClr val="tx1">
-                    <a:lumMod val="65000"/>
-                    <a:lumOff val="35000"/>
-                  </a:schemeClr>
-                </a:solidFill>
-                <a:latin typeface="Open Sans" pitchFamily="34" charset="0"/>
-                <a:ea typeface="Open Sans" pitchFamily="34" charset="0"/>
-                <a:cs typeface="Open Sans" pitchFamily="34" charset="0"/>
-              </a:rPr>
-              <a:t>Development</a:t>
-            </a:r>
-            <a:r>
-              <a:rPr lang="es-US" sz="1800" dirty="0" smtClean="0">
-                <a:solidFill>
-                  <a:schemeClr val="tx1">
-                    <a:lumMod val="65000"/>
-                    <a:lumOff val="35000"/>
-                  </a:schemeClr>
-                </a:solidFill>
-                <a:latin typeface="Open Sans" pitchFamily="34" charset="0"/>
-                <a:ea typeface="Open Sans" pitchFamily="34" charset="0"/>
-                <a:cs typeface="Open Sans" pitchFamily="34" charset="0"/>
-              </a:rPr>
-              <a:t> </a:t>
-            </a:r>
-            <a:r>
-              <a:rPr lang="es-US" sz="1800" dirty="0" smtClean="0">
-                <a:solidFill>
-                  <a:schemeClr val="tx1">
-                    <a:lumMod val="65000"/>
-                    <a:lumOff val="35000"/>
-                  </a:schemeClr>
-                </a:solidFill>
-                <a:latin typeface="Open Sans" pitchFamily="34" charset="0"/>
-                <a:ea typeface="Open Sans" pitchFamily="34" charset="0"/>
-                <a:cs typeface="Open Sans" pitchFamily="34" charset="0"/>
-              </a:rPr>
-              <a:t>Program</a:t>
-            </a:r>
-            <a:r>
-              <a:rPr lang="es-US" sz="1800" dirty="0" smtClean="0">
-                <a:solidFill>
-                  <a:schemeClr val="tx1">
-                    <a:lumMod val="65000"/>
-                    <a:lumOff val="35000"/>
-                  </a:schemeClr>
-                </a:solidFill>
-                <a:latin typeface="Open Sans" pitchFamily="34" charset="0"/>
-                <a:ea typeface="Open Sans" pitchFamily="34" charset="0"/>
-                <a:cs typeface="Open Sans" pitchFamily="34" charset="0"/>
-              </a:rPr>
-              <a:t> </a:t>
+              <a:t>IT Development Program </a:t>
             </a:r>
             <a:endParaRPr lang="en-US" sz="1800" dirty="0">
               <a:solidFill>
@@ -30376,7 +30262,7 @@
               </a:lnSpc>
             </a:pPr>
             <a:r>
-              <a:rPr lang="es-US" sz="1400" dirty="0" err="1" smtClean="0">
+              <a:rPr lang="es-US" sz="1400" dirty="0" err="1">
                 <a:solidFill>
                   <a:schemeClr val="bg1"/>
                 </a:solidFill>
@@ -30387,7 +30273,7 @@
               <a:t>Create</a:t>
             </a:r>
             <a:r>
-              <a:rPr lang="es-US" sz="1400" dirty="0" smtClean="0">
+              <a:rPr lang="es-US" sz="1400" dirty="0">
                 <a:solidFill>
                   <a:schemeClr val="bg1"/>
                 </a:solidFill>
@@ -30398,7 +30284,7 @@
               <a:t> a </a:t>
             </a:r>
             <a:r>
-              <a:rPr lang="es-US" sz="1400" dirty="0" err="1" smtClean="0">
+              <a:rPr lang="es-US" sz="1400" dirty="0" err="1">
                 <a:solidFill>
                   <a:schemeClr val="bg1"/>
                 </a:solidFill>
@@ -30409,7 +30295,7 @@
               <a:t>user-friendly</a:t>
             </a:r>
             <a:r>
-              <a:rPr lang="es-US" sz="1400" dirty="0" smtClean="0">
+              <a:rPr lang="es-US" sz="1400" dirty="0">
                 <a:solidFill>
                   <a:schemeClr val="bg1"/>
                 </a:solidFill>
@@ -30420,7 +30306,7 @@
               <a:t> </a:t>
             </a:r>
             <a:r>
-              <a:rPr lang="es-US" sz="1400" dirty="0" err="1" smtClean="0">
+              <a:rPr lang="es-US" sz="1400" dirty="0" err="1">
                 <a:solidFill>
                   <a:schemeClr val="bg1"/>
                 </a:solidFill>
@@ -30431,7 +30317,7 @@
               <a:t>solution</a:t>
             </a:r>
             <a:r>
-              <a:rPr lang="es-US" sz="1400" dirty="0" smtClean="0">
+              <a:rPr lang="es-US" sz="1400" dirty="0">
                 <a:solidFill>
                   <a:schemeClr val="bg1"/>
                 </a:solidFill>
@@ -30442,7 +30328,7 @@
               <a:t> </a:t>
             </a:r>
             <a:r>
-              <a:rPr lang="es-US" sz="1400" dirty="0" err="1" smtClean="0">
+              <a:rPr lang="es-US" sz="1400" dirty="0" err="1">
                 <a:solidFill>
                   <a:schemeClr val="bg1"/>
                 </a:solidFill>
@@ -30453,7 +30339,7 @@
               <a:t>that</a:t>
             </a:r>
             <a:r>
-              <a:rPr lang="es-US" sz="1400" dirty="0" smtClean="0">
+              <a:rPr lang="es-US" sz="1400" dirty="0">
                 <a:solidFill>
                   <a:schemeClr val="bg1"/>
                 </a:solidFill>
@@ -30464,7 +30350,7 @@
               <a:t> </a:t>
             </a:r>
             <a:r>
-              <a:rPr lang="es-US" sz="1400" dirty="0" err="1" smtClean="0">
+              <a:rPr lang="es-US" sz="1400" dirty="0" err="1">
                 <a:solidFill>
                   <a:schemeClr val="bg1"/>
                 </a:solidFill>
@@ -30475,7 +30361,7 @@
               <a:t>helps</a:t>
             </a:r>
             <a:r>
-              <a:rPr lang="es-US" sz="1400" dirty="0" smtClean="0">
+              <a:rPr lang="es-US" sz="1400" dirty="0">
                 <a:solidFill>
                   <a:schemeClr val="bg1"/>
                 </a:solidFill>
@@ -30486,7 +30372,7 @@
               <a:t> </a:t>
             </a:r>
             <a:r>
-              <a:rPr lang="es-US" sz="1400" dirty="0" err="1" smtClean="0">
+              <a:rPr lang="es-US" sz="1400" dirty="0" err="1">
                 <a:solidFill>
                   <a:schemeClr val="bg1"/>
                 </a:solidFill>
@@ -30497,7 +30383,7 @@
               <a:t>us</a:t>
             </a:r>
             <a:r>
-              <a:rPr lang="es-US" sz="1400" dirty="0" smtClean="0">
+              <a:rPr lang="es-US" sz="1400" dirty="0">
                 <a:solidFill>
                   <a:schemeClr val="bg1"/>
                 </a:solidFill>
@@ -30508,7 +30394,7 @@
               <a:t> </a:t>
             </a:r>
             <a:r>
-              <a:rPr lang="es-US" sz="1400" dirty="0" err="1" smtClean="0">
+              <a:rPr lang="es-US" sz="1400" dirty="0" err="1">
                 <a:solidFill>
                   <a:schemeClr val="bg1"/>
                 </a:solidFill>
@@ -30519,7 +30405,7 @@
               <a:t>address</a:t>
             </a:r>
             <a:r>
-              <a:rPr lang="es-US" sz="1400" dirty="0" smtClean="0">
+              <a:rPr lang="es-US" sz="1400" dirty="0">
                 <a:solidFill>
                   <a:schemeClr val="bg1"/>
                 </a:solidFill>
@@ -30530,7 +30416,7 @@
               <a:t> </a:t>
             </a:r>
             <a:r>
-              <a:rPr lang="es-US" sz="1400" dirty="0" err="1" smtClean="0">
+              <a:rPr lang="es-US" sz="1400" dirty="0" err="1">
                 <a:solidFill>
                   <a:schemeClr val="bg1"/>
                 </a:solidFill>
@@ -30541,7 +30427,7 @@
               <a:t>the</a:t>
             </a:r>
             <a:r>
-              <a:rPr lang="es-US" sz="1400" dirty="0" smtClean="0">
+              <a:rPr lang="es-US" sz="1400" dirty="0">
                 <a:solidFill>
                   <a:schemeClr val="bg1"/>
                 </a:solidFill>
@@ -30552,7 +30438,7 @@
               <a:t> </a:t>
             </a:r>
             <a:r>
-              <a:rPr lang="es-US" sz="1400" dirty="0" err="1" smtClean="0">
+              <a:rPr lang="es-US" sz="1400" dirty="0" err="1">
                 <a:solidFill>
                   <a:schemeClr val="bg1"/>
                 </a:solidFill>
@@ -30563,7 +30449,7 @@
               <a:t>needs</a:t>
             </a:r>
             <a:r>
-              <a:rPr lang="es-US" sz="1400" dirty="0" smtClean="0">
+              <a:rPr lang="es-US" sz="1400" dirty="0">
                 <a:solidFill>
                   <a:schemeClr val="bg1"/>
                 </a:solidFill>
@@ -30574,7 +30460,7 @@
               <a:t> </a:t>
             </a:r>
             <a:r>
-              <a:rPr lang="es-US" sz="1400" dirty="0" err="1" smtClean="0">
+              <a:rPr lang="es-US" sz="1400" dirty="0" err="1">
                 <a:solidFill>
                   <a:schemeClr val="bg1"/>
                 </a:solidFill>
@@ -30585,7 +30471,7 @@
               <a:t>the</a:t>
             </a:r>
             <a:r>
-              <a:rPr lang="es-US" sz="1400" dirty="0" smtClean="0">
+              <a:rPr lang="es-US" sz="1400" dirty="0">
                 <a:solidFill>
                   <a:schemeClr val="bg1"/>
                 </a:solidFill>
@@ -30596,7 +30482,7 @@
               <a:t> </a:t>
             </a:r>
             <a:r>
-              <a:rPr lang="es-US" sz="1400" dirty="0" err="1" smtClean="0">
+              <a:rPr lang="es-US" sz="1400" dirty="0" err="1">
                 <a:solidFill>
                   <a:schemeClr val="bg1"/>
                 </a:solidFill>
@@ -30607,7 +30493,7 @@
               <a:t>needs</a:t>
             </a:r>
             <a:r>
-              <a:rPr lang="es-US" sz="1400" dirty="0" smtClean="0">
+              <a:rPr lang="es-US" sz="1400" dirty="0">
                 <a:solidFill>
                   <a:schemeClr val="bg1"/>
                 </a:solidFill>
@@ -30618,7 +30504,7 @@
               <a:t> of </a:t>
             </a:r>
             <a:r>
-              <a:rPr lang="es-US" sz="1400" dirty="0" err="1" smtClean="0">
+              <a:rPr lang="es-US" sz="1400" dirty="0" err="1">
                 <a:solidFill>
                   <a:schemeClr val="bg1"/>
                 </a:solidFill>
@@ -30629,7 +30515,7 @@
               <a:t>the</a:t>
             </a:r>
             <a:r>
-              <a:rPr lang="es-US" sz="1400" dirty="0" smtClean="0">
+              <a:rPr lang="es-US" sz="1400" dirty="0">
                 <a:solidFill>
                   <a:schemeClr val="bg1"/>
                 </a:solidFill>
@@ -30640,7 +30526,7 @@
               <a:t> IT </a:t>
             </a:r>
             <a:r>
-              <a:rPr lang="en-US" sz="1400" dirty="0" smtClean="0">
+              <a:rPr lang="en-US" sz="1400" dirty="0">
                 <a:solidFill>
                   <a:schemeClr val="bg1"/>
                 </a:solidFill>
@@ -30651,7 +30537,7 @@
               <a:t>Development</a:t>
             </a:r>
             <a:r>
-              <a:rPr lang="es-US" sz="1400" dirty="0" smtClean="0">
+              <a:rPr lang="es-US" sz="1400" dirty="0">
                 <a:solidFill>
                   <a:schemeClr val="bg1"/>
                 </a:solidFill>
@@ -30662,7 +30548,7 @@
               <a:t> </a:t>
             </a:r>
             <a:r>
-              <a:rPr lang="en-MY" sz="1400" dirty="0" smtClean="0">
+              <a:rPr lang="en-MY" sz="1400" dirty="0">
                 <a:solidFill>
                   <a:schemeClr val="bg1"/>
                 </a:solidFill>
@@ -30673,7 +30559,7 @@
               <a:t>Program</a:t>
             </a:r>
             <a:r>
-              <a:rPr lang="es-US" sz="1400" dirty="0" smtClean="0">
+              <a:rPr lang="es-US" sz="1400" dirty="0">
                 <a:solidFill>
                   <a:schemeClr val="bg1"/>
                 </a:solidFill>
@@ -30684,7 +30570,7 @@
               <a:t> </a:t>
             </a:r>
             <a:r>
-              <a:rPr lang="es-US" sz="1400" dirty="0" err="1" smtClean="0">
+              <a:rPr lang="es-US" sz="1400" dirty="0" err="1">
                 <a:solidFill>
                   <a:schemeClr val="bg1"/>
                 </a:solidFill>
@@ -30695,7 +30581,7 @@
               <a:t>PMs</a:t>
             </a:r>
             <a:r>
-              <a:rPr lang="es-US" sz="1400" dirty="0" smtClean="0">
+              <a:rPr lang="es-US" sz="1400" dirty="0">
                 <a:solidFill>
                   <a:schemeClr val="bg1"/>
                 </a:solidFill>
@@ -30706,7 +30592,7 @@
               <a:t> and </a:t>
             </a:r>
             <a:r>
-              <a:rPr lang="es-US" sz="1400" dirty="0" err="1" smtClean="0">
+              <a:rPr lang="es-US" sz="1400" dirty="0" err="1">
                 <a:solidFill>
                   <a:schemeClr val="bg1"/>
                 </a:solidFill>
@@ -30717,7 +30603,7 @@
               <a:t>participants</a:t>
             </a:r>
             <a:r>
-              <a:rPr lang="es-US" sz="1400" dirty="0" smtClean="0">
+              <a:rPr lang="es-US" sz="1400" dirty="0">
                 <a:solidFill>
                   <a:schemeClr val="bg1"/>
                 </a:solidFill>
@@ -30803,7 +30689,7 @@
               </a:lnSpc>
             </a:pPr>
             <a:r>
-              <a:rPr lang="es-US" sz="1400" dirty="0" err="1" smtClean="0">
+              <a:rPr lang="es-US" sz="1400" dirty="0" err="1">
                 <a:solidFill>
                   <a:schemeClr val="bg1"/>
                 </a:solidFill>
@@ -30814,7 +30700,7 @@
               <a:t>Work</a:t>
             </a:r>
             <a:r>
-              <a:rPr lang="es-US" sz="1400" dirty="0" smtClean="0">
+              <a:rPr lang="es-US" sz="1400" dirty="0">
                 <a:solidFill>
                   <a:schemeClr val="bg1"/>
                 </a:solidFill>
@@ -30825,7 +30711,7 @@
               <a:t> </a:t>
             </a:r>
             <a:r>
-              <a:rPr lang="es-US" sz="1400" dirty="0" err="1" smtClean="0">
+              <a:rPr lang="es-US" sz="1400" dirty="0" err="1">
                 <a:solidFill>
                   <a:schemeClr val="bg1"/>
                 </a:solidFill>
@@ -30836,7 +30722,7 @@
               <a:t>on</a:t>
             </a:r>
             <a:r>
-              <a:rPr lang="es-US" sz="1400" dirty="0" smtClean="0">
+              <a:rPr lang="es-US" sz="1400" dirty="0">
                 <a:solidFill>
                   <a:schemeClr val="bg1"/>
                 </a:solidFill>
@@ -30847,7 +30733,7 @@
               <a:t> </a:t>
             </a:r>
             <a:r>
-              <a:rPr lang="es-US" sz="1400" dirty="0" err="1" smtClean="0">
+              <a:rPr lang="es-US" sz="1400" dirty="0" err="1">
                 <a:solidFill>
                   <a:schemeClr val="bg1"/>
                 </a:solidFill>
@@ -30858,7 +30744,7 @@
               <a:t>each</a:t>
             </a:r>
             <a:r>
-              <a:rPr lang="es-US" sz="1400" dirty="0" smtClean="0">
+              <a:rPr lang="es-US" sz="1400" dirty="0">
                 <a:solidFill>
                   <a:schemeClr val="bg1"/>
                 </a:solidFill>
@@ -30869,7 +30755,7 @@
               <a:t> </a:t>
             </a:r>
             <a:r>
-              <a:rPr lang="es-US" sz="1400" dirty="0" err="1" smtClean="0">
+              <a:rPr lang="es-US" sz="1400" dirty="0" err="1">
                 <a:solidFill>
                   <a:schemeClr val="bg1"/>
                 </a:solidFill>
@@ -30880,7 +30766,7 @@
               <a:t>provided</a:t>
             </a:r>
             <a:r>
-              <a:rPr lang="es-US" sz="1400" dirty="0" smtClean="0">
+              <a:rPr lang="es-US" sz="1400" dirty="0">
                 <a:solidFill>
                   <a:schemeClr val="bg1"/>
                 </a:solidFill>
@@ -30891,7 +30777,7 @@
               <a:t> persona (</a:t>
             </a:r>
             <a:r>
-              <a:rPr lang="en-MY" sz="1400" dirty="0" smtClean="0">
+              <a:rPr lang="en-MY" sz="1400" dirty="0">
                 <a:solidFill>
                   <a:schemeClr val="bg1"/>
                 </a:solidFill>
@@ -30902,7 +30788,7 @@
               <a:t>Participants</a:t>
             </a:r>
             <a:r>
-              <a:rPr lang="es-US" sz="1400" dirty="0" smtClean="0">
+              <a:rPr lang="es-US" sz="1400" dirty="0">
                 <a:solidFill>
                   <a:schemeClr val="bg1"/>
                 </a:solidFill>
@@ -30913,7 +30799,7 @@
               <a:t>, </a:t>
             </a:r>
             <a:r>
-              <a:rPr lang="es-US" sz="1400" dirty="0" err="1" smtClean="0">
+              <a:rPr lang="es-US" sz="1400" dirty="0" err="1">
                 <a:solidFill>
                   <a:schemeClr val="bg1"/>
                 </a:solidFill>
@@ -30924,7 +30810,7 @@
               <a:t>Commitee</a:t>
             </a:r>
             <a:r>
-              <a:rPr lang="es-US" sz="1400" dirty="0" smtClean="0">
+              <a:rPr lang="es-US" sz="1400" dirty="0">
                 <a:solidFill>
                   <a:schemeClr val="bg1"/>
                 </a:solidFill>
@@ -30935,7 +30821,7 @@
               <a:t> Leader, </a:t>
             </a:r>
             <a:r>
-              <a:rPr lang="es-US" sz="1400" dirty="0" err="1" smtClean="0">
+              <a:rPr lang="es-US" sz="1400" dirty="0" err="1">
                 <a:solidFill>
                   <a:schemeClr val="bg1"/>
                 </a:solidFill>
@@ -30946,7 +30832,7 @@
               <a:t>Program</a:t>
             </a:r>
             <a:r>
-              <a:rPr lang="es-US" sz="1400" dirty="0" smtClean="0">
+              <a:rPr lang="es-US" sz="1400" dirty="0">
                 <a:solidFill>
                   <a:schemeClr val="bg1"/>
                 </a:solidFill>
@@ -30957,7 +30843,7 @@
               <a:t> Manager) to </a:t>
             </a:r>
             <a:r>
-              <a:rPr lang="es-US" sz="1400" dirty="0" err="1" smtClean="0">
+              <a:rPr lang="es-US" sz="1400" dirty="0" err="1">
                 <a:solidFill>
                   <a:schemeClr val="bg1"/>
                 </a:solidFill>
@@ -30968,7 +30854,7 @@
               <a:t>create</a:t>
             </a:r>
             <a:r>
-              <a:rPr lang="es-US" sz="1400" dirty="0" smtClean="0">
+              <a:rPr lang="es-US" sz="1400" dirty="0">
                 <a:solidFill>
                   <a:schemeClr val="bg1"/>
                 </a:solidFill>
@@ -30979,7 +30865,7 @@
               <a:t> </a:t>
             </a:r>
             <a:r>
-              <a:rPr lang="es-US" sz="1400" dirty="0" err="1" smtClean="0">
+              <a:rPr lang="es-US" sz="1400" dirty="0" err="1">
                 <a:solidFill>
                   <a:schemeClr val="bg1"/>
                 </a:solidFill>
@@ -30990,7 +30876,7 @@
               <a:t>the</a:t>
             </a:r>
             <a:r>
-              <a:rPr lang="es-US" sz="1400" dirty="0" smtClean="0">
+              <a:rPr lang="es-US" sz="1400" dirty="0">
                 <a:solidFill>
                   <a:schemeClr val="bg1"/>
                 </a:solidFill>
@@ -31001,7 +30887,7 @@
               <a:t> </a:t>
             </a:r>
             <a:r>
-              <a:rPr lang="en-MY" sz="1400" dirty="0" smtClean="0">
+              <a:rPr lang="en-MY" sz="1400" dirty="0">
                 <a:solidFill>
                   <a:schemeClr val="bg1"/>
                 </a:solidFill>
@@ -31012,7 +30898,7 @@
               <a:t>system</a:t>
             </a:r>
             <a:r>
-              <a:rPr lang="es-US" sz="1400" dirty="0" smtClean="0">
+              <a:rPr lang="es-US" sz="1400" dirty="0">
                 <a:solidFill>
                   <a:schemeClr val="bg1"/>
                 </a:solidFill>
@@ -34351,7 +34237,7 @@
           <a:lstStyle/>
           <a:p>
             <a:r>
-              <a:rPr lang="en-US" dirty="0" smtClean="0">
+              <a:rPr lang="en-US" dirty="0">
                 <a:solidFill>
                   <a:schemeClr val="bg1"/>
                 </a:solidFill>
@@ -34362,7 +34248,7 @@
               <a:t>The </a:t>
             </a:r>
             <a:r>
-              <a:rPr lang="en-US" b="1" dirty="0" smtClean="0">
+              <a:rPr lang="en-US" b="1" dirty="0">
                 <a:solidFill>
                   <a:schemeClr val="bg1"/>
                 </a:solidFill>
@@ -34405,7 +34291,7 @@
           <a:p>
             <a:pPr algn="l"/>
             <a:r>
-              <a:rPr lang="en-MY" dirty="0" smtClean="0"/>
+              <a:rPr lang="en-MY" dirty="0"/>
               <a:t>We tried to deliver:</a:t>
             </a:r>
           </a:p>
@@ -34524,7 +34410,7 @@
           <a:lstStyle/>
           <a:p>
             <a:r>
-              <a:rPr lang="en-US" dirty="0" smtClean="0">
+              <a:rPr lang="en-US" dirty="0">
                 <a:solidFill>
                   <a:schemeClr val="bg1"/>
                 </a:solidFill>
@@ -34535,7 +34421,7 @@
               <a:t>The </a:t>
             </a:r>
             <a:r>
-              <a:rPr lang="en-US" b="1" dirty="0" smtClean="0">
+              <a:rPr lang="en-US" b="1" dirty="0">
                 <a:solidFill>
                   <a:schemeClr val="bg1"/>
                 </a:solidFill>
@@ -34581,7 +34467,7 @@
               <a:buChar char="•"/>
             </a:pPr>
             <a:r>
-              <a:rPr lang="en-MY" dirty="0" smtClean="0"/>
+              <a:rPr lang="en-MY" dirty="0"/>
               <a:t>HTML/CSS</a:t>
             </a:r>
           </a:p>
@@ -34591,7 +34477,7 @@
               <a:buChar char="•"/>
             </a:pPr>
             <a:r>
-              <a:rPr lang="en-MY" dirty="0" smtClean="0"/>
+              <a:rPr lang="en-MY" dirty="0"/>
               <a:t>PHP</a:t>
             </a:r>
           </a:p>
@@ -34601,7 +34487,7 @@
               <a:buChar char="•"/>
             </a:pPr>
             <a:r>
-              <a:rPr lang="en-MY" dirty="0" smtClean="0"/>
+              <a:rPr lang="en-MY" dirty="0"/>
               <a:t>MySQL</a:t>
             </a:r>
           </a:p>
@@ -34611,7 +34497,7 @@
               <a:buChar char="•"/>
             </a:pPr>
             <a:r>
-              <a:rPr lang="en-MY" dirty="0" smtClean="0"/>
+              <a:rPr lang="en-MY" dirty="0"/>
               <a:t>jQuery</a:t>
             </a:r>
           </a:p>
@@ -34621,7 +34507,7 @@
               <a:buChar char="•"/>
             </a:pPr>
             <a:r>
-              <a:rPr lang="en-MY" dirty="0" smtClean="0"/>
+              <a:rPr lang="en-MY" dirty="0"/>
               <a:t>AJAX</a:t>
             </a:r>
           </a:p>
@@ -34631,10 +34517,10 @@
               <a:buChar char="•"/>
             </a:pPr>
             <a:r>
-              <a:rPr lang="en-MY" dirty="0" err="1" smtClean="0"/>
+              <a:rPr lang="en-MY" dirty="0" err="1"/>
               <a:t>GitLab</a:t>
             </a:r>
-            <a:endParaRPr lang="en-MY" dirty="0" smtClean="0"/>
+            <a:endParaRPr lang="en-MY" dirty="0"/>
           </a:p>
         </p:txBody>
       </p:sp>
@@ -34744,7 +34630,7 @@
           <a:lstStyle/>
           <a:p>
             <a:r>
-              <a:rPr lang="en-US" dirty="0" smtClean="0">
+              <a:rPr lang="en-US" dirty="0">
                 <a:solidFill>
                   <a:schemeClr val="bg1"/>
                 </a:solidFill>
@@ -34755,7 +34641,7 @@
               <a:t>What </a:t>
             </a:r>
             <a:r>
-              <a:rPr lang="en-US" b="1" dirty="0" smtClean="0">
+              <a:rPr lang="en-US" b="1" dirty="0">
                 <a:solidFill>
                   <a:schemeClr val="bg1"/>
                 </a:solidFill>
@@ -34801,7 +34687,7 @@
               <a:buChar char="•"/>
             </a:pPr>
             <a:r>
-              <a:rPr lang="en-MY" dirty="0" smtClean="0"/>
+              <a:rPr lang="en-MY" dirty="0"/>
               <a:t>Teamwork</a:t>
             </a:r>
           </a:p>
@@ -34811,7 +34697,7 @@
               <a:buChar char="•"/>
             </a:pPr>
             <a:r>
-              <a:rPr lang="en-MY" dirty="0" smtClean="0"/>
+              <a:rPr lang="en-MY" dirty="0"/>
               <a:t>Communication Skills</a:t>
             </a:r>
           </a:p>
@@ -34821,7 +34707,7 @@
               <a:buChar char="•"/>
             </a:pPr>
             <a:r>
-              <a:rPr lang="en-MY" dirty="0" smtClean="0"/>
+              <a:rPr lang="en-MY" dirty="0"/>
               <a:t>Coding speed</a:t>
             </a:r>
           </a:p>
@@ -34831,7 +34717,7 @@
               <a:buChar char="•"/>
             </a:pPr>
             <a:r>
-              <a:rPr lang="en-MY" dirty="0" smtClean="0"/>
+              <a:rPr lang="en-MY" dirty="0"/>
               <a:t>Listening and analysing feedback</a:t>
             </a:r>
           </a:p>
@@ -34841,7 +34727,7 @@
               <a:buChar char="•"/>
             </a:pPr>
             <a:r>
-              <a:rPr lang="en-MY" dirty="0" smtClean="0"/>
+              <a:rPr lang="en-MY" dirty="0"/>
               <a:t>Plan ahead but not overdo it</a:t>
             </a:r>
           </a:p>
@@ -34851,10 +34737,9 @@
               <a:buChar char="•"/>
             </a:pPr>
             <a:r>
-              <a:rPr lang="en-MY" dirty="0" smtClean="0"/>
+              <a:rPr lang="en-MY" dirty="0"/>
               <a:t>New Experience</a:t>
             </a:r>
-            <a:endParaRPr lang="en-MY" dirty="0"/>
           </a:p>
         </p:txBody>
       </p:sp>
@@ -34964,7 +34849,7 @@
           <a:lstStyle/>
           <a:p>
             <a:r>
-              <a:rPr lang="en-US" dirty="0" smtClean="0">
+              <a:rPr lang="en-US" dirty="0">
                 <a:solidFill>
                   <a:schemeClr val="bg1"/>
                 </a:solidFill>
@@ -34975,7 +34860,7 @@
               <a:t>The </a:t>
             </a:r>
             <a:r>
-              <a:rPr lang="en-US" b="1" dirty="0" smtClean="0">
+              <a:rPr lang="en-US" b="1" dirty="0">
                 <a:solidFill>
                   <a:schemeClr val="bg1"/>
                 </a:solidFill>
@@ -35016,7 +34901,18 @@
           <a:bodyPr/>
           <a:lstStyle/>
           <a:p>
-            <a:pPr algn="l"/>
+            <a:pPr marL="571500" indent="-571500" algn="l">
+              <a:buFont typeface="Arial" panose="020B0604020202020204" pitchFamily="34" charset="0"/>
+              <a:buChar char="•"/>
+            </a:pPr>
+            <a:r>
+              <a:rPr lang="en-MY" dirty="0"/>
+              <a:t>Develop a complete functional module for ITDP </a:t>
+            </a:r>
+            <a:r>
+              <a:rPr lang="en-MY"/>
+              <a:t>Program Manager</a:t>
+            </a:r>
             <a:endParaRPr lang="en-MY" dirty="0"/>
           </a:p>
         </p:txBody>

--- a/Documentation/PresentationDeck-NewBlood.pptx
+++ b/Documentation/PresentationDeck-NewBlood.pptx
@@ -34524,6 +34524,380 @@
           </a:p>
         </p:txBody>
       </p:sp>
+      <p:pic>
+        <p:nvPicPr>
+          <p:cNvPr id="1026" name="Picture 2" descr="W3C HTML5 Logo">
+            <a:extLst>
+              <a:ext uri="{FF2B5EF4-FFF2-40B4-BE49-F238E27FC236}">
+                <a16:creationId xmlns:a16="http://schemas.microsoft.com/office/drawing/2014/main" id="{BF12D23F-A193-4CDC-A2D3-E8EC6988F16E}"/>
+              </a:ext>
+            </a:extLst>
+          </p:cNvPr>
+          <p:cNvPicPr>
+            <a:picLocks noChangeAspect="1" noChangeArrowheads="1"/>
+          </p:cNvPicPr>
+          <p:nvPr/>
+        </p:nvPicPr>
+        <p:blipFill>
+          <a:blip r:embed="rId2">
+            <a:extLst>
+              <a:ext uri="{28A0092B-C50C-407E-A947-70E740481C1C}">
+                <a14:useLocalDpi xmlns:a14="http://schemas.microsoft.com/office/drawing/2010/main" val="0"/>
+              </a:ext>
+            </a:extLst>
+          </a:blip>
+          <a:srcRect/>
+          <a:stretch>
+            <a:fillRect/>
+          </a:stretch>
+        </p:blipFill>
+        <p:spPr bwMode="auto">
+          <a:xfrm>
+            <a:off x="4768123" y="3423345"/>
+            <a:ext cx="1503610" cy="1503610"/>
+          </a:xfrm>
+          <a:prstGeom prst="rect">
+            <a:avLst/>
+          </a:prstGeom>
+          <a:noFill/>
+          <a:extLst>
+            <a:ext uri="{909E8E84-426E-40DD-AFC4-6F175D3DCCD1}">
+              <a14:hiddenFill xmlns:a14="http://schemas.microsoft.com/office/drawing/2010/main">
+                <a:solidFill>
+                  <a:srgbClr val="FFFFFF"/>
+                </a:solidFill>
+              </a14:hiddenFill>
+            </a:ext>
+          </a:extLst>
+        </p:spPr>
+      </p:pic>
+      <p:pic>
+        <p:nvPicPr>
+          <p:cNvPr id="1030" name="Picture 6" descr="Css Logos">
+            <a:extLst>
+              <a:ext uri="{FF2B5EF4-FFF2-40B4-BE49-F238E27FC236}">
+                <a16:creationId xmlns:a16="http://schemas.microsoft.com/office/drawing/2014/main" id="{3D485819-5972-4273-B457-888291DA0A1D}"/>
+              </a:ext>
+            </a:extLst>
+          </p:cNvPr>
+          <p:cNvPicPr>
+            <a:picLocks noChangeAspect="1" noChangeArrowheads="1"/>
+          </p:cNvPicPr>
+          <p:nvPr/>
+        </p:nvPicPr>
+        <p:blipFill>
+          <a:blip r:embed="rId3" cstate="print">
+            <a:extLst>
+              <a:ext uri="{28A0092B-C50C-407E-A947-70E740481C1C}">
+                <a14:useLocalDpi xmlns:a14="http://schemas.microsoft.com/office/drawing/2010/main" val="0"/>
+              </a:ext>
+            </a:extLst>
+          </a:blip>
+          <a:srcRect/>
+          <a:stretch>
+            <a:fillRect/>
+          </a:stretch>
+        </p:blipFill>
+        <p:spPr bwMode="auto">
+          <a:xfrm>
+            <a:off x="6454452" y="1512083"/>
+            <a:ext cx="1151780" cy="1613912"/>
+          </a:xfrm>
+          <a:prstGeom prst="rect">
+            <a:avLst/>
+          </a:prstGeom>
+          <a:noFill/>
+          <a:extLst>
+            <a:ext uri="{909E8E84-426E-40DD-AFC4-6F175D3DCCD1}">
+              <a14:hiddenFill xmlns:a14="http://schemas.microsoft.com/office/drawing/2010/main">
+                <a:solidFill>
+                  <a:srgbClr val="FFFFFF"/>
+                </a:solidFill>
+              </a14:hiddenFill>
+            </a:ext>
+          </a:extLst>
+        </p:spPr>
+      </p:pic>
+      <p:pic>
+        <p:nvPicPr>
+          <p:cNvPr id="1032" name="Picture 8" descr="PHP Logo Vector (.EPS) Free Download">
+            <a:extLst>
+              <a:ext uri="{FF2B5EF4-FFF2-40B4-BE49-F238E27FC236}">
+                <a16:creationId xmlns:a16="http://schemas.microsoft.com/office/drawing/2014/main" id="{056F3CA8-C70C-433C-B2FE-B6FF14DA9D7E}"/>
+              </a:ext>
+            </a:extLst>
+          </p:cNvPr>
+          <p:cNvPicPr>
+            <a:picLocks noChangeAspect="1" noChangeArrowheads="1"/>
+          </p:cNvPicPr>
+          <p:nvPr/>
+        </p:nvPicPr>
+        <p:blipFill>
+          <a:blip r:embed="rId4">
+            <a:extLst>
+              <a:ext uri="{28A0092B-C50C-407E-A947-70E740481C1C}">
+                <a14:useLocalDpi xmlns:a14="http://schemas.microsoft.com/office/drawing/2010/main" val="0"/>
+              </a:ext>
+            </a:extLst>
+          </a:blip>
+          <a:srcRect/>
+          <a:stretch>
+            <a:fillRect/>
+          </a:stretch>
+        </p:blipFill>
+        <p:spPr bwMode="auto">
+          <a:xfrm>
+            <a:off x="8398668" y="1967905"/>
+            <a:ext cx="1813781" cy="961304"/>
+          </a:xfrm>
+          <a:prstGeom prst="rect">
+            <a:avLst/>
+          </a:prstGeom>
+          <a:noFill/>
+          <a:extLst>
+            <a:ext uri="{909E8E84-426E-40DD-AFC4-6F175D3DCCD1}">
+              <a14:hiddenFill xmlns:a14="http://schemas.microsoft.com/office/drawing/2010/main">
+                <a:solidFill>
+                  <a:srgbClr val="FFFFFF"/>
+                </a:solidFill>
+              </a14:hiddenFill>
+            </a:ext>
+          </a:extLst>
+        </p:spPr>
+      </p:pic>
+      <p:sp>
+        <p:nvSpPr>
+          <p:cNvPr id="4" name="AutoShape 10" descr="MySql Vector Logo - Download Free SVG Icon | Worldvectorlogo">
+            <a:extLst>
+              <a:ext uri="{FF2B5EF4-FFF2-40B4-BE49-F238E27FC236}">
+                <a16:creationId xmlns:a16="http://schemas.microsoft.com/office/drawing/2014/main" id="{526BDF42-BE0E-45CD-B0F7-6A8A7C331C27}"/>
+              </a:ext>
+            </a:extLst>
+          </p:cNvPr>
+          <p:cNvSpPr>
+            <a:spLocks noChangeAspect="1" noChangeArrowheads="1"/>
+          </p:cNvSpPr>
+          <p:nvPr/>
+        </p:nvSpPr>
+        <p:spPr bwMode="auto">
+          <a:xfrm>
+            <a:off x="5942013" y="3276600"/>
+            <a:ext cx="304800" cy="304800"/>
+          </a:xfrm>
+          <a:prstGeom prst="rect">
+            <a:avLst/>
+          </a:prstGeom>
+          <a:noFill/>
+          <a:extLst>
+            <a:ext uri="{909E8E84-426E-40DD-AFC4-6F175D3DCCD1}">
+              <a14:hiddenFill xmlns:a14="http://schemas.microsoft.com/office/drawing/2010/main">
+                <a:solidFill>
+                  <a:srgbClr val="FFFFFF"/>
+                </a:solidFill>
+              </a14:hiddenFill>
+            </a:ext>
+          </a:extLst>
+        </p:spPr>
+        <p:txBody>
+          <a:bodyPr vert="horz" wrap="square" lIns="91440" tIns="45720" rIns="91440" bIns="45720" numCol="1" anchor="t" anchorCtr="0" compatLnSpc="1">
+            <a:prstTxWarp prst="textNoShape">
+              <a:avLst/>
+            </a:prstTxWarp>
+          </a:bodyPr>
+          <a:lstStyle/>
+          <a:p>
+            <a:endParaRPr lang="en-MY"/>
+          </a:p>
+        </p:txBody>
+      </p:sp>
+      <p:pic>
+        <p:nvPicPr>
+          <p:cNvPr id="1040" name="Picture 16" descr="MySQL and Moodle - ElearningWorld.org">
+            <a:extLst>
+              <a:ext uri="{FF2B5EF4-FFF2-40B4-BE49-F238E27FC236}">
+                <a16:creationId xmlns:a16="http://schemas.microsoft.com/office/drawing/2014/main" id="{13EB28FF-E88A-44DE-85A0-5F79A2066DCA}"/>
+              </a:ext>
+            </a:extLst>
+          </p:cNvPr>
+          <p:cNvPicPr>
+            <a:picLocks noChangeAspect="1" noChangeArrowheads="1"/>
+          </p:cNvPicPr>
+          <p:nvPr/>
+        </p:nvPicPr>
+        <p:blipFill>
+          <a:blip r:embed="rId5" cstate="print">
+            <a:extLst>
+              <a:ext uri="{28A0092B-C50C-407E-A947-70E740481C1C}">
+                <a14:useLocalDpi xmlns:a14="http://schemas.microsoft.com/office/drawing/2010/main" val="0"/>
+              </a:ext>
+            </a:extLst>
+          </a:blip>
+          <a:srcRect/>
+          <a:stretch>
+            <a:fillRect/>
+          </a:stretch>
+        </p:blipFill>
+        <p:spPr bwMode="auto">
+          <a:xfrm>
+            <a:off x="9590750" y="3304592"/>
+            <a:ext cx="1993403" cy="1328935"/>
+          </a:xfrm>
+          <a:prstGeom prst="rect">
+            <a:avLst/>
+          </a:prstGeom>
+          <a:noFill/>
+          <a:extLst>
+            <a:ext uri="{909E8E84-426E-40DD-AFC4-6F175D3DCCD1}">
+              <a14:hiddenFill xmlns:a14="http://schemas.microsoft.com/office/drawing/2010/main">
+                <a:solidFill>
+                  <a:srgbClr val="FFFFFF"/>
+                </a:solidFill>
+              </a14:hiddenFill>
+            </a:ext>
+          </a:extLst>
+        </p:spPr>
+      </p:pic>
+      <p:pic>
+        <p:nvPicPr>
+          <p:cNvPr id="1042" name="Picture 18" descr="Jquery, logo icon - Free download on Iconfinder">
+            <a:extLst>
+              <a:ext uri="{FF2B5EF4-FFF2-40B4-BE49-F238E27FC236}">
+                <a16:creationId xmlns:a16="http://schemas.microsoft.com/office/drawing/2014/main" id="{BFA190B0-5F4C-46D0-93B8-91E124EFC813}"/>
+              </a:ext>
+            </a:extLst>
+          </p:cNvPr>
+          <p:cNvPicPr>
+            <a:picLocks noChangeAspect="1" noChangeArrowheads="1"/>
+          </p:cNvPicPr>
+          <p:nvPr/>
+        </p:nvPicPr>
+        <p:blipFill>
+          <a:blip r:embed="rId6" cstate="print">
+            <a:extLst>
+              <a:ext uri="{28A0092B-C50C-407E-A947-70E740481C1C}">
+                <a14:useLocalDpi xmlns:a14="http://schemas.microsoft.com/office/drawing/2010/main" val="0"/>
+              </a:ext>
+            </a:extLst>
+          </a:blip>
+          <a:srcRect/>
+          <a:stretch>
+            <a:fillRect/>
+          </a:stretch>
+        </p:blipFill>
+        <p:spPr bwMode="auto">
+          <a:xfrm>
+            <a:off x="5671889" y="4769179"/>
+            <a:ext cx="1934343" cy="1934343"/>
+          </a:xfrm>
+          <a:prstGeom prst="rect">
+            <a:avLst/>
+          </a:prstGeom>
+          <a:noFill/>
+          <a:extLst>
+            <a:ext uri="{909E8E84-426E-40DD-AFC4-6F175D3DCCD1}">
+              <a14:hiddenFill xmlns:a14="http://schemas.microsoft.com/office/drawing/2010/main">
+                <a:solidFill>
+                  <a:srgbClr val="FFFFFF"/>
+                </a:solidFill>
+              </a14:hiddenFill>
+            </a:ext>
+          </a:extLst>
+        </p:spPr>
+      </p:pic>
+      <p:pic>
+        <p:nvPicPr>
+          <p:cNvPr id="1044" name="Picture 20" descr="AJAX logo vector">
+            <a:extLst>
+              <a:ext uri="{FF2B5EF4-FFF2-40B4-BE49-F238E27FC236}">
+                <a16:creationId xmlns:a16="http://schemas.microsoft.com/office/drawing/2014/main" id="{AFB83B69-56CB-48A1-BCA6-D469823BADEA}"/>
+              </a:ext>
+            </a:extLst>
+          </p:cNvPr>
+          <p:cNvPicPr>
+            <a:picLocks noChangeAspect="1" noChangeArrowheads="1"/>
+          </p:cNvPicPr>
+          <p:nvPr/>
+        </p:nvPicPr>
+        <p:blipFill>
+          <a:blip r:embed="rId7">
+            <a:extLst>
+              <a:ext uri="{28A0092B-C50C-407E-A947-70E740481C1C}">
+                <a14:useLocalDpi xmlns:a14="http://schemas.microsoft.com/office/drawing/2010/main" val="0"/>
+              </a:ext>
+            </a:extLst>
+          </a:blip>
+          <a:srcRect/>
+          <a:stretch>
+            <a:fillRect/>
+          </a:stretch>
+        </p:blipFill>
+        <p:spPr bwMode="auto">
+          <a:xfrm>
+            <a:off x="8425979" y="4833109"/>
+            <a:ext cx="1628873" cy="1628873"/>
+          </a:xfrm>
+          <a:prstGeom prst="rect">
+            <a:avLst/>
+          </a:prstGeom>
+          <a:noFill/>
+          <a:extLst>
+            <a:ext uri="{909E8E84-426E-40DD-AFC4-6F175D3DCCD1}">
+              <a14:hiddenFill xmlns:a14="http://schemas.microsoft.com/office/drawing/2010/main">
+                <a:solidFill>
+                  <a:srgbClr val="FFFFFF"/>
+                </a:solidFill>
+              </a14:hiddenFill>
+            </a:ext>
+          </a:extLst>
+        </p:spPr>
+      </p:pic>
+      <p:pic>
+        <p:nvPicPr>
+          <p:cNvPr id="1046" name="Picture 22">
+            <a:extLst>
+              <a:ext uri="{FF2B5EF4-FFF2-40B4-BE49-F238E27FC236}">
+                <a16:creationId xmlns:a16="http://schemas.microsoft.com/office/drawing/2014/main" id="{61B70DC6-8282-4C18-B0A5-9E41939BBF69}"/>
+              </a:ext>
+            </a:extLst>
+          </p:cNvPr>
+          <p:cNvPicPr>
+            <a:picLocks noChangeAspect="1" noChangeArrowheads="1"/>
+          </p:cNvPicPr>
+          <p:nvPr/>
+        </p:nvPicPr>
+        <p:blipFill>
+          <a:blip r:embed="rId8" cstate="print">
+            <a:extLst>
+              <a:ext uri="{28A0092B-C50C-407E-A947-70E740481C1C}">
+                <a14:useLocalDpi xmlns:a14="http://schemas.microsoft.com/office/drawing/2010/main" val="0"/>
+              </a:ext>
+            </a:extLst>
+          </a:blip>
+          <a:srcRect/>
+          <a:stretch>
+            <a:fillRect/>
+          </a:stretch>
+        </p:blipFill>
+        <p:spPr bwMode="auto">
+          <a:xfrm>
+            <a:off x="7277692" y="3601887"/>
+            <a:ext cx="1433650" cy="1325068"/>
+          </a:xfrm>
+          <a:prstGeom prst="rect">
+            <a:avLst/>
+          </a:prstGeom>
+          <a:noFill/>
+          <a:extLst>
+            <a:ext uri="{909E8E84-426E-40DD-AFC4-6F175D3DCCD1}">
+              <a14:hiddenFill xmlns:a14="http://schemas.microsoft.com/office/drawing/2010/main">
+                <a:solidFill>
+                  <a:srgbClr val="FFFFFF"/>
+                </a:solidFill>
+              </a14:hiddenFill>
+            </a:ext>
+          </a:extLst>
+        </p:spPr>
+      </p:pic>
     </p:spTree>
     <p:extLst>
       <p:ext uri="{BB962C8B-B14F-4D97-AF65-F5344CB8AC3E}">
@@ -34743,6 +35117,143 @@
           </a:p>
         </p:txBody>
       </p:sp>
+      <p:pic>
+        <p:nvPicPr>
+          <p:cNvPr id="2050" name="Picture 2" descr="Teamwork concept logo. Team work icon on white , #AFFILIATE, #logo,  #concept, #Teamwork, #Team, #white #Ad | Work icon, Teamwork, Puzzle logo">
+            <a:extLst>
+              <a:ext uri="{FF2B5EF4-FFF2-40B4-BE49-F238E27FC236}">
+                <a16:creationId xmlns:a16="http://schemas.microsoft.com/office/drawing/2014/main" id="{6F5C70F5-106F-4405-9B9E-CE66DEEE2083}"/>
+              </a:ext>
+            </a:extLst>
+          </p:cNvPr>
+          <p:cNvPicPr>
+            <a:picLocks noChangeAspect="1" noChangeArrowheads="1"/>
+          </p:cNvPicPr>
+          <p:nvPr/>
+        </p:nvPicPr>
+        <p:blipFill>
+          <a:blip r:embed="rId2">
+            <a:extLst>
+              <a:ext uri="{28A0092B-C50C-407E-A947-70E740481C1C}">
+                <a14:useLocalDpi xmlns:a14="http://schemas.microsoft.com/office/drawing/2010/main" val="0"/>
+              </a:ext>
+            </a:extLst>
+          </a:blip>
+          <a:srcRect/>
+          <a:stretch>
+            <a:fillRect/>
+          </a:stretch>
+        </p:blipFill>
+        <p:spPr bwMode="auto">
+          <a:xfrm>
+            <a:off x="7599769" y="1498904"/>
+            <a:ext cx="2286000" cy="2286000"/>
+          </a:xfrm>
+          <a:prstGeom prst="rect">
+            <a:avLst/>
+          </a:prstGeom>
+          <a:noFill/>
+          <a:extLst>
+            <a:ext uri="{909E8E84-426E-40DD-AFC4-6F175D3DCCD1}">
+              <a14:hiddenFill xmlns:a14="http://schemas.microsoft.com/office/drawing/2010/main">
+                <a:solidFill>
+                  <a:srgbClr val="FFFFFF"/>
+                </a:solidFill>
+              </a14:hiddenFill>
+            </a:ext>
+          </a:extLst>
+        </p:spPr>
+      </p:pic>
+      <p:pic>
+        <p:nvPicPr>
+          <p:cNvPr id="2052" name="Picture 4" descr="Analysis Linear Icon. Modern Outline Analysis Logo Concept On Wh Stock  Vector - Illustration of global, business: 133515606">
+            <a:extLst>
+              <a:ext uri="{FF2B5EF4-FFF2-40B4-BE49-F238E27FC236}">
+                <a16:creationId xmlns:a16="http://schemas.microsoft.com/office/drawing/2014/main" id="{F448A312-99FB-482B-92C6-C6B61286A7A9}"/>
+              </a:ext>
+            </a:extLst>
+          </p:cNvPr>
+          <p:cNvPicPr>
+            <a:picLocks noChangeAspect="1" noChangeArrowheads="1"/>
+          </p:cNvPicPr>
+          <p:nvPr/>
+        </p:nvPicPr>
+        <p:blipFill rotWithShape="1">
+          <a:blip r:embed="rId3" cstate="print">
+            <a:extLst>
+              <a:ext uri="{28A0092B-C50C-407E-A947-70E740481C1C}">
+                <a14:useLocalDpi xmlns:a14="http://schemas.microsoft.com/office/drawing/2010/main" val="0"/>
+              </a:ext>
+            </a:extLst>
+          </a:blip>
+          <a:srcRect b="5900"/>
+          <a:stretch/>
+        </p:blipFill>
+        <p:spPr bwMode="auto">
+          <a:xfrm>
+            <a:off x="10054852" y="3284984"/>
+            <a:ext cx="1752474" cy="1740951"/>
+          </a:xfrm>
+          <a:prstGeom prst="rect">
+            <a:avLst/>
+          </a:prstGeom>
+          <a:noFill/>
+          <a:extLst>
+            <a:ext uri="{909E8E84-426E-40DD-AFC4-6F175D3DCCD1}">
+              <a14:hiddenFill xmlns:a14="http://schemas.microsoft.com/office/drawing/2010/main">
+                <a:solidFill>
+                  <a:srgbClr val="FFFFFF"/>
+                </a:solidFill>
+              </a14:hiddenFill>
+            </a:ext>
+          </a:extLst>
+        </p:spPr>
+      </p:pic>
+      <p:pic>
+        <p:nvPicPr>
+          <p:cNvPr id="2056" name="Picture 8" descr="Customer experience icon on white background flat Vector Image">
+            <a:extLst>
+              <a:ext uri="{FF2B5EF4-FFF2-40B4-BE49-F238E27FC236}">
+                <a16:creationId xmlns:a16="http://schemas.microsoft.com/office/drawing/2014/main" id="{CD9830FC-F8E5-44E4-AF98-B8A34BCF8262}"/>
+              </a:ext>
+            </a:extLst>
+          </p:cNvPr>
+          <p:cNvPicPr>
+            <a:picLocks noChangeAspect="1" noChangeArrowheads="1"/>
+          </p:cNvPicPr>
+          <p:nvPr/>
+        </p:nvPicPr>
+        <p:blipFill rotWithShape="1">
+          <a:blip r:embed="rId4">
+            <a:extLst>
+              <a:ext uri="{28A0092B-C50C-407E-A947-70E740481C1C}">
+                <a14:useLocalDpi xmlns:a14="http://schemas.microsoft.com/office/drawing/2010/main" val="0"/>
+              </a:ext>
+            </a:extLst>
+          </a:blip>
+          <a:srcRect b="7820"/>
+          <a:stretch/>
+        </p:blipFill>
+        <p:spPr bwMode="auto">
+          <a:xfrm>
+            <a:off x="8018438" y="4660952"/>
+            <a:ext cx="1752474" cy="1742565"/>
+          </a:xfrm>
+          <a:prstGeom prst="rect">
+            <a:avLst/>
+          </a:prstGeom>
+          <a:noFill/>
+          <a:extLst>
+            <a:ext uri="{909E8E84-426E-40DD-AFC4-6F175D3DCCD1}">
+              <a14:hiddenFill xmlns:a14="http://schemas.microsoft.com/office/drawing/2010/main">
+                <a:solidFill>
+                  <a:srgbClr val="FFFFFF"/>
+                </a:solidFill>
+              </a14:hiddenFill>
+            </a:ext>
+          </a:extLst>
+        </p:spPr>
+      </p:pic>
     </p:spTree>
     <p:extLst>
       <p:ext uri="{BB962C8B-B14F-4D97-AF65-F5344CB8AC3E}">
@@ -34907,13 +35418,8 @@
             </a:pPr>
             <a:r>
               <a:rPr lang="en-MY" dirty="0"/>
-              <a:t>Develop a complete functional module for ITDP </a:t>
+              <a:t>Develop a complete functional module for ITDP Program Manager</a:t>
             </a:r>
-            <a:r>
-              <a:rPr lang="en-MY"/>
-              <a:t>Program Manager</a:t>
-            </a:r>
-            <a:endParaRPr lang="en-MY" dirty="0"/>
           </a:p>
         </p:txBody>
       </p:sp>

--- a/Documentation/PresentationDeck-NewBlood.pptx
+++ b/Documentation/PresentationDeck-NewBlood.pptx
@@ -750,6 +750,9 @@
   <p:clrMapOvr>
     <a:masterClrMapping/>
   </p:clrMapOvr>
+  <p:transition spd="slow">
+    <p:push dir="u"/>
+  </p:transition>
 </p:sldLayout>
 </file>
 
@@ -893,6 +896,9 @@
   <p:clrMapOvr>
     <a:masterClrMapping/>
   </p:clrMapOvr>
+  <p:transition spd="slow">
+    <p:push dir="u"/>
+  </p:transition>
 </p:sldLayout>
 </file>
 
@@ -1035,6 +1041,9 @@
   <p:clrMapOvr>
     <a:masterClrMapping/>
   </p:clrMapOvr>
+  <p:transition spd="slow">
+    <p:push dir="u"/>
+  </p:transition>
 </p:sldLayout>
 </file>
 
@@ -1320,6 +1329,9 @@
   <p:clrMapOvr>
     <a:masterClrMapping/>
   </p:clrMapOvr>
+  <p:transition spd="slow">
+    <p:push dir="u"/>
+  </p:transition>
 </p:sldLayout>
 </file>
 
@@ -1582,6 +1594,9 @@
   <p:clrMapOvr>
     <a:masterClrMapping/>
   </p:clrMapOvr>
+  <p:transition spd="slow">
+    <p:push dir="u"/>
+  </p:transition>
 </p:sldLayout>
 </file>
 
@@ -1760,6 +1775,9 @@
   <p:clrMapOvr>
     <a:masterClrMapping/>
   </p:clrMapOvr>
+  <p:transition spd="slow">
+    <p:push dir="u"/>
+  </p:transition>
 </p:sldLayout>
 </file>
 
@@ -1948,6 +1966,9 @@
   <p:clrMapOvr>
     <a:masterClrMapping/>
   </p:clrMapOvr>
+  <p:transition spd="slow">
+    <p:push dir="u"/>
+  </p:transition>
 </p:sldLayout>
 </file>
 
@@ -2198,6 +2219,9 @@
   <p:clrMapOvr>
     <a:masterClrMapping/>
   </p:clrMapOvr>
+  <p:transition spd="slow">
+    <p:push dir="u"/>
+  </p:transition>
 </p:sldLayout>
 </file>
 
@@ -2376,6 +2400,9 @@
   <p:clrMapOvr>
     <a:masterClrMapping/>
   </p:clrMapOvr>
+  <p:transition spd="slow">
+    <p:push dir="u"/>
+  </p:transition>
 </p:sldLayout>
 </file>
 
@@ -2631,6 +2658,9 @@
   <p:clrMapOvr>
     <a:masterClrMapping/>
   </p:clrMapOvr>
+  <p:transition spd="slow">
+    <p:push dir="u"/>
+  </p:transition>
 </p:sldLayout>
 </file>
 
@@ -2926,6 +2956,9 @@
   <p:clrMapOvr>
     <a:masterClrMapping/>
   </p:clrMapOvr>
+  <p:transition spd="slow">
+    <p:push dir="u"/>
+  </p:transition>
 </p:sldLayout>
 </file>
 
@@ -3355,6 +3388,9 @@
   <p:clrMapOvr>
     <a:masterClrMapping/>
   </p:clrMapOvr>
+  <p:transition spd="slow">
+    <p:push dir="u"/>
+  </p:transition>
 </p:sldLayout>
 </file>
 
@@ -3525,6 +3561,9 @@
   <p:clrMapOvr>
     <a:masterClrMapping/>
   </p:clrMapOvr>
+  <p:transition spd="slow">
+    <p:push dir="u"/>
+  </p:transition>
 </p:sldLayout>
 </file>
 
@@ -3696,6 +3735,9 @@
   <p:clrMapOvr>
     <a:masterClrMapping/>
   </p:clrMapOvr>
+  <p:transition spd="slow">
+    <p:push dir="u"/>
+  </p:transition>
 </p:sldLayout>
 </file>
 
@@ -3832,6 +3874,9 @@
   <p:clrMapOvr>
     <a:masterClrMapping/>
   </p:clrMapOvr>
+  <p:transition spd="slow">
+    <p:push dir="u"/>
+  </p:transition>
 </p:sldLayout>
 </file>
 
@@ -4099,6 +4144,9 @@
     <p:sldLayoutId id="2147483658" r:id="rId14"/>
     <p:sldLayoutId id="2147483659" r:id="rId15"/>
   </p:sldLayoutIdLst>
+  <p:transition spd="slow">
+    <p:push dir="u"/>
+  </p:transition>
   <p:txStyles>
     <p:titleStyle>
       <a:lvl1pPr algn="ctr" defTabSz="1218987" rtl="0" eaLnBrk="1" latinLnBrk="0" hangingPunct="1">
@@ -4577,6 +4625,16 @@
   <p:clrMapOvr>
     <a:masterClrMapping/>
   </p:clrMapOvr>
+  <p:transition spd="slow">
+    <p:push dir="u"/>
+  </p:transition>
+  <p:timing>
+    <p:tnLst>
+      <p:par>
+        <p:cTn id="1" dur="indefinite" restart="never" nodeType="tmRoot"/>
+      </p:par>
+    </p:tnLst>
+  </p:timing>
 </p:sld>
 </file>
 
@@ -29887,6 +29945,9 @@
   <p:clrMapOvr>
     <a:masterClrMapping/>
   </p:clrMapOvr>
+  <p:transition spd="slow">
+    <p:push dir="u"/>
+  </p:transition>
 </p:sld>
 </file>
 
@@ -30243,7 +30304,7 @@
         <p:spPr>
           <a:xfrm>
             <a:off x="1738883" y="4619994"/>
-            <a:ext cx="3454475" cy="1040285"/>
+            <a:ext cx="3454475" cy="803297"/>
           </a:xfrm>
           <a:prstGeom prst="rect">
             <a:avLst/>
@@ -30262,7 +30323,7 @@
               </a:lnSpc>
             </a:pPr>
             <a:r>
-              <a:rPr lang="es-US" sz="1400" dirty="0" err="1">
+              <a:rPr lang="es-US" sz="1400" dirty="0" smtClean="0">
                 <a:solidFill>
                   <a:schemeClr val="bg1"/>
                 </a:solidFill>
@@ -30270,10 +30331,10 @@
                 <a:ea typeface="Open Sans" pitchFamily="34" charset="0"/>
                 <a:cs typeface="Open Sans" pitchFamily="34" charset="0"/>
               </a:rPr>
-              <a:t>Create</a:t>
+              <a:t>Extreme </a:t>
             </a:r>
             <a:r>
-              <a:rPr lang="es-US" sz="1400" dirty="0">
+              <a:rPr lang="es-US" sz="1400" dirty="0" err="1" smtClean="0">
                 <a:solidFill>
                   <a:schemeClr val="bg1"/>
                 </a:solidFill>
@@ -30281,10 +30342,25 @@
                 <a:ea typeface="Open Sans" pitchFamily="34" charset="0"/>
                 <a:cs typeface="Open Sans" pitchFamily="34" charset="0"/>
               </a:rPr>
-              <a:t> a </a:t>
+              <a:t>Programming</a:t>
             </a:r>
+            <a:endParaRPr lang="es-US" sz="1400" dirty="0">
+              <a:solidFill>
+                <a:schemeClr val="bg1"/>
+              </a:solidFill>
+              <a:latin typeface="Open Sans" pitchFamily="34" charset="0"/>
+              <a:ea typeface="Open Sans" pitchFamily="34" charset="0"/>
+              <a:cs typeface="Open Sans" pitchFamily="34" charset="0"/>
+            </a:endParaRPr>
+          </a:p>
+          <a:p>
+            <a:pPr algn="ctr">
+              <a:lnSpc>
+                <a:spcPct val="110000"/>
+              </a:lnSpc>
+            </a:pPr>
             <a:r>
-              <a:rPr lang="es-US" sz="1400" dirty="0" err="1">
+              <a:rPr lang="es-US" sz="1400" dirty="0" err="1" smtClean="0">
                 <a:solidFill>
                   <a:schemeClr val="bg1"/>
                 </a:solidFill>
@@ -30292,10 +30368,10 @@
                 <a:ea typeface="Open Sans" pitchFamily="34" charset="0"/>
                 <a:cs typeface="Open Sans" pitchFamily="34" charset="0"/>
               </a:rPr>
-              <a:t>user-friendly</a:t>
+              <a:t>Some</a:t>
             </a:r>
             <a:r>
-              <a:rPr lang="es-US" sz="1400" dirty="0">
+              <a:rPr lang="es-US" sz="1400" dirty="0" smtClean="0">
                 <a:solidFill>
                   <a:schemeClr val="bg1"/>
                 </a:solidFill>
@@ -30306,7 +30382,7 @@
               <a:t> </a:t>
             </a:r>
             <a:r>
-              <a:rPr lang="es-US" sz="1400" dirty="0" err="1">
+              <a:rPr lang="es-US" sz="1400" dirty="0" err="1" smtClean="0">
                 <a:solidFill>
                   <a:schemeClr val="bg1"/>
                 </a:solidFill>
@@ -30314,10 +30390,10 @@
                 <a:ea typeface="Open Sans" pitchFamily="34" charset="0"/>
                 <a:cs typeface="Open Sans" pitchFamily="34" charset="0"/>
               </a:rPr>
-              <a:t>solution</a:t>
+              <a:t>integration</a:t>
             </a:r>
             <a:r>
-              <a:rPr lang="es-US" sz="1400" dirty="0">
+              <a:rPr lang="es-US" sz="1400" dirty="0" smtClean="0">
                 <a:solidFill>
                   <a:schemeClr val="bg1"/>
                 </a:solidFill>
@@ -30328,7 +30404,7 @@
               <a:t> </a:t>
             </a:r>
             <a:r>
-              <a:rPr lang="es-US" sz="1400" dirty="0" err="1">
+              <a:rPr lang="es-US" sz="1400" dirty="0" err="1" smtClean="0">
                 <a:solidFill>
                   <a:schemeClr val="bg1"/>
                 </a:solidFill>
@@ -30336,10 +30412,36 @@
                 <a:ea typeface="Open Sans" pitchFamily="34" charset="0"/>
                 <a:cs typeface="Open Sans" pitchFamily="34" charset="0"/>
               </a:rPr>
-              <a:t>that</a:t>
+              <a:t>issues</a:t>
+            </a:r>
+            <a:endParaRPr lang="es-US" sz="1400" dirty="0" smtClean="0">
+              <a:solidFill>
+                <a:schemeClr val="bg1"/>
+              </a:solidFill>
+              <a:latin typeface="Open Sans" pitchFamily="34" charset="0"/>
+              <a:ea typeface="Open Sans" pitchFamily="34" charset="0"/>
+              <a:cs typeface="Open Sans" pitchFamily="34" charset="0"/>
+            </a:endParaRPr>
+          </a:p>
+          <a:p>
+            <a:pPr algn="ctr">
+              <a:lnSpc>
+                <a:spcPct val="110000"/>
+              </a:lnSpc>
+            </a:pPr>
+            <a:r>
+              <a:rPr lang="es-US" sz="1400" dirty="0" err="1" smtClean="0">
+                <a:solidFill>
+                  <a:schemeClr val="bg1"/>
+                </a:solidFill>
+                <a:latin typeface="Open Sans" pitchFamily="34" charset="0"/>
+                <a:ea typeface="Open Sans" pitchFamily="34" charset="0"/>
+                <a:cs typeface="Open Sans" pitchFamily="34" charset="0"/>
+              </a:rPr>
+              <a:t>Overplanning</a:t>
             </a:r>
             <a:r>
-              <a:rPr lang="es-US" sz="1400" dirty="0">
+              <a:rPr lang="es-US" sz="1400" dirty="0" smtClean="0">
                 <a:solidFill>
                   <a:schemeClr val="bg1"/>
                 </a:solidFill>
@@ -30348,270 +30450,6 @@
                 <a:cs typeface="Open Sans" pitchFamily="34" charset="0"/>
               </a:rPr>
               <a:t> </a:t>
-            </a:r>
-            <a:r>
-              <a:rPr lang="es-US" sz="1400" dirty="0" err="1">
-                <a:solidFill>
-                  <a:schemeClr val="bg1"/>
-                </a:solidFill>
-                <a:latin typeface="Open Sans" pitchFamily="34" charset="0"/>
-                <a:ea typeface="Open Sans" pitchFamily="34" charset="0"/>
-                <a:cs typeface="Open Sans" pitchFamily="34" charset="0"/>
-              </a:rPr>
-              <a:t>helps</a:t>
-            </a:r>
-            <a:r>
-              <a:rPr lang="es-US" sz="1400" dirty="0">
-                <a:solidFill>
-                  <a:schemeClr val="bg1"/>
-                </a:solidFill>
-                <a:latin typeface="Open Sans" pitchFamily="34" charset="0"/>
-                <a:ea typeface="Open Sans" pitchFamily="34" charset="0"/>
-                <a:cs typeface="Open Sans" pitchFamily="34" charset="0"/>
-              </a:rPr>
-              <a:t> </a:t>
-            </a:r>
-            <a:r>
-              <a:rPr lang="es-US" sz="1400" dirty="0" err="1">
-                <a:solidFill>
-                  <a:schemeClr val="bg1"/>
-                </a:solidFill>
-                <a:latin typeface="Open Sans" pitchFamily="34" charset="0"/>
-                <a:ea typeface="Open Sans" pitchFamily="34" charset="0"/>
-                <a:cs typeface="Open Sans" pitchFamily="34" charset="0"/>
-              </a:rPr>
-              <a:t>us</a:t>
-            </a:r>
-            <a:r>
-              <a:rPr lang="es-US" sz="1400" dirty="0">
-                <a:solidFill>
-                  <a:schemeClr val="bg1"/>
-                </a:solidFill>
-                <a:latin typeface="Open Sans" pitchFamily="34" charset="0"/>
-                <a:ea typeface="Open Sans" pitchFamily="34" charset="0"/>
-                <a:cs typeface="Open Sans" pitchFamily="34" charset="0"/>
-              </a:rPr>
-              <a:t> </a:t>
-            </a:r>
-            <a:r>
-              <a:rPr lang="es-US" sz="1400" dirty="0" err="1">
-                <a:solidFill>
-                  <a:schemeClr val="bg1"/>
-                </a:solidFill>
-                <a:latin typeface="Open Sans" pitchFamily="34" charset="0"/>
-                <a:ea typeface="Open Sans" pitchFamily="34" charset="0"/>
-                <a:cs typeface="Open Sans" pitchFamily="34" charset="0"/>
-              </a:rPr>
-              <a:t>address</a:t>
-            </a:r>
-            <a:r>
-              <a:rPr lang="es-US" sz="1400" dirty="0">
-                <a:solidFill>
-                  <a:schemeClr val="bg1"/>
-                </a:solidFill>
-                <a:latin typeface="Open Sans" pitchFamily="34" charset="0"/>
-                <a:ea typeface="Open Sans" pitchFamily="34" charset="0"/>
-                <a:cs typeface="Open Sans" pitchFamily="34" charset="0"/>
-              </a:rPr>
-              <a:t> </a:t>
-            </a:r>
-            <a:r>
-              <a:rPr lang="es-US" sz="1400" dirty="0" err="1">
-                <a:solidFill>
-                  <a:schemeClr val="bg1"/>
-                </a:solidFill>
-                <a:latin typeface="Open Sans" pitchFamily="34" charset="0"/>
-                <a:ea typeface="Open Sans" pitchFamily="34" charset="0"/>
-                <a:cs typeface="Open Sans" pitchFamily="34" charset="0"/>
-              </a:rPr>
-              <a:t>the</a:t>
-            </a:r>
-            <a:r>
-              <a:rPr lang="es-US" sz="1400" dirty="0">
-                <a:solidFill>
-                  <a:schemeClr val="bg1"/>
-                </a:solidFill>
-                <a:latin typeface="Open Sans" pitchFamily="34" charset="0"/>
-                <a:ea typeface="Open Sans" pitchFamily="34" charset="0"/>
-                <a:cs typeface="Open Sans" pitchFamily="34" charset="0"/>
-              </a:rPr>
-              <a:t> </a:t>
-            </a:r>
-            <a:r>
-              <a:rPr lang="es-US" sz="1400" dirty="0" err="1">
-                <a:solidFill>
-                  <a:schemeClr val="bg1"/>
-                </a:solidFill>
-                <a:latin typeface="Open Sans" pitchFamily="34" charset="0"/>
-                <a:ea typeface="Open Sans" pitchFamily="34" charset="0"/>
-                <a:cs typeface="Open Sans" pitchFamily="34" charset="0"/>
-              </a:rPr>
-              <a:t>needs</a:t>
-            </a:r>
-            <a:r>
-              <a:rPr lang="es-US" sz="1400" dirty="0">
-                <a:solidFill>
-                  <a:schemeClr val="bg1"/>
-                </a:solidFill>
-                <a:latin typeface="Open Sans" pitchFamily="34" charset="0"/>
-                <a:ea typeface="Open Sans" pitchFamily="34" charset="0"/>
-                <a:cs typeface="Open Sans" pitchFamily="34" charset="0"/>
-              </a:rPr>
-              <a:t> </a:t>
-            </a:r>
-            <a:r>
-              <a:rPr lang="es-US" sz="1400" dirty="0" err="1">
-                <a:solidFill>
-                  <a:schemeClr val="bg1"/>
-                </a:solidFill>
-                <a:latin typeface="Open Sans" pitchFamily="34" charset="0"/>
-                <a:ea typeface="Open Sans" pitchFamily="34" charset="0"/>
-                <a:cs typeface="Open Sans" pitchFamily="34" charset="0"/>
-              </a:rPr>
-              <a:t>the</a:t>
-            </a:r>
-            <a:r>
-              <a:rPr lang="es-US" sz="1400" dirty="0">
-                <a:solidFill>
-                  <a:schemeClr val="bg1"/>
-                </a:solidFill>
-                <a:latin typeface="Open Sans" pitchFamily="34" charset="0"/>
-                <a:ea typeface="Open Sans" pitchFamily="34" charset="0"/>
-                <a:cs typeface="Open Sans" pitchFamily="34" charset="0"/>
-              </a:rPr>
-              <a:t> </a:t>
-            </a:r>
-            <a:r>
-              <a:rPr lang="es-US" sz="1400" dirty="0" err="1">
-                <a:solidFill>
-                  <a:schemeClr val="bg1"/>
-                </a:solidFill>
-                <a:latin typeface="Open Sans" pitchFamily="34" charset="0"/>
-                <a:ea typeface="Open Sans" pitchFamily="34" charset="0"/>
-                <a:cs typeface="Open Sans" pitchFamily="34" charset="0"/>
-              </a:rPr>
-              <a:t>needs</a:t>
-            </a:r>
-            <a:r>
-              <a:rPr lang="es-US" sz="1400" dirty="0">
-                <a:solidFill>
-                  <a:schemeClr val="bg1"/>
-                </a:solidFill>
-                <a:latin typeface="Open Sans" pitchFamily="34" charset="0"/>
-                <a:ea typeface="Open Sans" pitchFamily="34" charset="0"/>
-                <a:cs typeface="Open Sans" pitchFamily="34" charset="0"/>
-              </a:rPr>
-              <a:t> of </a:t>
-            </a:r>
-            <a:r>
-              <a:rPr lang="es-US" sz="1400" dirty="0" err="1">
-                <a:solidFill>
-                  <a:schemeClr val="bg1"/>
-                </a:solidFill>
-                <a:latin typeface="Open Sans" pitchFamily="34" charset="0"/>
-                <a:ea typeface="Open Sans" pitchFamily="34" charset="0"/>
-                <a:cs typeface="Open Sans" pitchFamily="34" charset="0"/>
-              </a:rPr>
-              <a:t>the</a:t>
-            </a:r>
-            <a:r>
-              <a:rPr lang="es-US" sz="1400" dirty="0">
-                <a:solidFill>
-                  <a:schemeClr val="bg1"/>
-                </a:solidFill>
-                <a:latin typeface="Open Sans" pitchFamily="34" charset="0"/>
-                <a:ea typeface="Open Sans" pitchFamily="34" charset="0"/>
-                <a:cs typeface="Open Sans" pitchFamily="34" charset="0"/>
-              </a:rPr>
-              <a:t> IT </a:t>
-            </a:r>
-            <a:r>
-              <a:rPr lang="en-US" sz="1400" dirty="0">
-                <a:solidFill>
-                  <a:schemeClr val="bg1"/>
-                </a:solidFill>
-                <a:latin typeface="Open Sans" pitchFamily="34" charset="0"/>
-                <a:ea typeface="Open Sans" pitchFamily="34" charset="0"/>
-                <a:cs typeface="Open Sans" pitchFamily="34" charset="0"/>
-              </a:rPr>
-              <a:t>Development</a:t>
-            </a:r>
-            <a:r>
-              <a:rPr lang="es-US" sz="1400" dirty="0">
-                <a:solidFill>
-                  <a:schemeClr val="bg1"/>
-                </a:solidFill>
-                <a:latin typeface="Open Sans" pitchFamily="34" charset="0"/>
-                <a:ea typeface="Open Sans" pitchFamily="34" charset="0"/>
-                <a:cs typeface="Open Sans" pitchFamily="34" charset="0"/>
-              </a:rPr>
-              <a:t> </a:t>
-            </a:r>
-            <a:r>
-              <a:rPr lang="en-MY" sz="1400" dirty="0">
-                <a:solidFill>
-                  <a:schemeClr val="bg1"/>
-                </a:solidFill>
-                <a:latin typeface="Open Sans" pitchFamily="34" charset="0"/>
-                <a:ea typeface="Open Sans" pitchFamily="34" charset="0"/>
-                <a:cs typeface="Open Sans" pitchFamily="34" charset="0"/>
-              </a:rPr>
-              <a:t>Program</a:t>
-            </a:r>
-            <a:r>
-              <a:rPr lang="es-US" sz="1400" dirty="0">
-                <a:solidFill>
-                  <a:schemeClr val="bg1"/>
-                </a:solidFill>
-                <a:latin typeface="Open Sans" pitchFamily="34" charset="0"/>
-                <a:ea typeface="Open Sans" pitchFamily="34" charset="0"/>
-                <a:cs typeface="Open Sans" pitchFamily="34" charset="0"/>
-              </a:rPr>
-              <a:t> </a:t>
-            </a:r>
-            <a:r>
-              <a:rPr lang="es-US" sz="1400" dirty="0" err="1">
-                <a:solidFill>
-                  <a:schemeClr val="bg1"/>
-                </a:solidFill>
-                <a:latin typeface="Open Sans" pitchFamily="34" charset="0"/>
-                <a:ea typeface="Open Sans" pitchFamily="34" charset="0"/>
-                <a:cs typeface="Open Sans" pitchFamily="34" charset="0"/>
-              </a:rPr>
-              <a:t>PMs</a:t>
-            </a:r>
-            <a:r>
-              <a:rPr lang="es-US" sz="1400" dirty="0">
-                <a:solidFill>
-                  <a:schemeClr val="bg1"/>
-                </a:solidFill>
-                <a:latin typeface="Open Sans" pitchFamily="34" charset="0"/>
-                <a:ea typeface="Open Sans" pitchFamily="34" charset="0"/>
-                <a:cs typeface="Open Sans" pitchFamily="34" charset="0"/>
-              </a:rPr>
-              <a:t> and </a:t>
-            </a:r>
-            <a:r>
-              <a:rPr lang="es-US" sz="1400" dirty="0" err="1">
-                <a:solidFill>
-                  <a:schemeClr val="bg1"/>
-                </a:solidFill>
-                <a:latin typeface="Open Sans" pitchFamily="34" charset="0"/>
-                <a:ea typeface="Open Sans" pitchFamily="34" charset="0"/>
-                <a:cs typeface="Open Sans" pitchFamily="34" charset="0"/>
-              </a:rPr>
-              <a:t>participants</a:t>
-            </a:r>
-            <a:r>
-              <a:rPr lang="es-US" sz="1400" dirty="0">
-                <a:solidFill>
-                  <a:schemeClr val="bg1"/>
-                </a:solidFill>
-                <a:latin typeface="Open Sans" pitchFamily="34" charset="0"/>
-                <a:ea typeface="Open Sans" pitchFamily="34" charset="0"/>
-                <a:cs typeface="Open Sans" pitchFamily="34" charset="0"/>
-              </a:rPr>
-              <a:t>. </a:t>
             </a:r>
             <a:endParaRPr lang="en-US" sz="1400" dirty="0">
               <a:solidFill>
@@ -30648,7 +30486,7 @@
           <a:p>
             <a:pPr algn="ctr"/>
             <a:r>
-              <a:rPr lang="en-IN" sz="2000" b="1" dirty="0">
+              <a:rPr lang="en-IN" sz="2000" b="1" dirty="0" smtClean="0">
                 <a:solidFill>
                   <a:schemeClr val="bg1"/>
                 </a:solidFill>
@@ -30656,8 +30494,16 @@
                 <a:ea typeface="Open Sans" pitchFamily="34" charset="0"/>
                 <a:cs typeface="Open Sans" pitchFamily="34" charset="0"/>
               </a:rPr>
-              <a:t>PROBLEM</a:t>
+              <a:t>PROBLEMS</a:t>
             </a:r>
+            <a:endParaRPr lang="en-IN" sz="2000" b="1" dirty="0">
+              <a:solidFill>
+                <a:schemeClr val="bg1"/>
+              </a:solidFill>
+              <a:latin typeface="Open Sans" pitchFamily="34" charset="0"/>
+              <a:ea typeface="Open Sans" pitchFamily="34" charset="0"/>
+              <a:cs typeface="Open Sans" pitchFamily="34" charset="0"/>
+            </a:endParaRPr>
           </a:p>
         </p:txBody>
       </p:sp>
@@ -30689,7 +30535,7 @@
               </a:lnSpc>
             </a:pPr>
             <a:r>
-              <a:rPr lang="es-US" sz="1400" dirty="0" err="1">
+              <a:rPr lang="en-MY" sz="1400" dirty="0" smtClean="0">
                 <a:solidFill>
                   <a:schemeClr val="bg1"/>
                 </a:solidFill>
@@ -30697,10 +30543,10 @@
                 <a:ea typeface="Open Sans" pitchFamily="34" charset="0"/>
                 <a:cs typeface="Open Sans" pitchFamily="34" charset="0"/>
               </a:rPr>
-              <a:t>Work</a:t>
+              <a:t>We focused more on the Participants and Committee Lead personas</a:t>
             </a:r>
             <a:r>
-              <a:rPr lang="es-US" sz="1400" dirty="0">
+              <a:rPr lang="en-US" sz="1400" dirty="0" smtClean="0">
                 <a:solidFill>
                   <a:schemeClr val="bg1"/>
                 </a:solidFill>
@@ -30708,207 +30554,9 @@
                 <a:ea typeface="Open Sans" pitchFamily="34" charset="0"/>
                 <a:cs typeface="Open Sans" pitchFamily="34" charset="0"/>
               </a:rPr>
-              <a:t> </a:t>
+              <a:t>, and we focused more on the important functions</a:t>
             </a:r>
-            <a:r>
-              <a:rPr lang="es-US" sz="1400" dirty="0" err="1">
-                <a:solidFill>
-                  <a:schemeClr val="bg1"/>
-                </a:solidFill>
-                <a:latin typeface="Open Sans" pitchFamily="34" charset="0"/>
-                <a:ea typeface="Open Sans" pitchFamily="34" charset="0"/>
-                <a:cs typeface="Open Sans" pitchFamily="34" charset="0"/>
-              </a:rPr>
-              <a:t>on</a:t>
-            </a:r>
-            <a:r>
-              <a:rPr lang="es-US" sz="1400" dirty="0">
-                <a:solidFill>
-                  <a:schemeClr val="bg1"/>
-                </a:solidFill>
-                <a:latin typeface="Open Sans" pitchFamily="34" charset="0"/>
-                <a:ea typeface="Open Sans" pitchFamily="34" charset="0"/>
-                <a:cs typeface="Open Sans" pitchFamily="34" charset="0"/>
-              </a:rPr>
-              <a:t> </a:t>
-            </a:r>
-            <a:r>
-              <a:rPr lang="es-US" sz="1400" dirty="0" err="1">
-                <a:solidFill>
-                  <a:schemeClr val="bg1"/>
-                </a:solidFill>
-                <a:latin typeface="Open Sans" pitchFamily="34" charset="0"/>
-                <a:ea typeface="Open Sans" pitchFamily="34" charset="0"/>
-                <a:cs typeface="Open Sans" pitchFamily="34" charset="0"/>
-              </a:rPr>
-              <a:t>each</a:t>
-            </a:r>
-            <a:r>
-              <a:rPr lang="es-US" sz="1400" dirty="0">
-                <a:solidFill>
-                  <a:schemeClr val="bg1"/>
-                </a:solidFill>
-                <a:latin typeface="Open Sans" pitchFamily="34" charset="0"/>
-                <a:ea typeface="Open Sans" pitchFamily="34" charset="0"/>
-                <a:cs typeface="Open Sans" pitchFamily="34" charset="0"/>
-              </a:rPr>
-              <a:t> </a:t>
-            </a:r>
-            <a:r>
-              <a:rPr lang="es-US" sz="1400" dirty="0" err="1">
-                <a:solidFill>
-                  <a:schemeClr val="bg1"/>
-                </a:solidFill>
-                <a:latin typeface="Open Sans" pitchFamily="34" charset="0"/>
-                <a:ea typeface="Open Sans" pitchFamily="34" charset="0"/>
-                <a:cs typeface="Open Sans" pitchFamily="34" charset="0"/>
-              </a:rPr>
-              <a:t>provided</a:t>
-            </a:r>
-            <a:r>
-              <a:rPr lang="es-US" sz="1400" dirty="0">
-                <a:solidFill>
-                  <a:schemeClr val="bg1"/>
-                </a:solidFill>
-                <a:latin typeface="Open Sans" pitchFamily="34" charset="0"/>
-                <a:ea typeface="Open Sans" pitchFamily="34" charset="0"/>
-                <a:cs typeface="Open Sans" pitchFamily="34" charset="0"/>
-              </a:rPr>
-              <a:t> persona (</a:t>
-            </a:r>
-            <a:r>
-              <a:rPr lang="en-MY" sz="1400" dirty="0">
-                <a:solidFill>
-                  <a:schemeClr val="bg1"/>
-                </a:solidFill>
-                <a:latin typeface="Open Sans" pitchFamily="34" charset="0"/>
-                <a:ea typeface="Open Sans" pitchFamily="34" charset="0"/>
-                <a:cs typeface="Open Sans" pitchFamily="34" charset="0"/>
-              </a:rPr>
-              <a:t>Participants</a:t>
-            </a:r>
-            <a:r>
-              <a:rPr lang="es-US" sz="1400" dirty="0">
-                <a:solidFill>
-                  <a:schemeClr val="bg1"/>
-                </a:solidFill>
-                <a:latin typeface="Open Sans" pitchFamily="34" charset="0"/>
-                <a:ea typeface="Open Sans" pitchFamily="34" charset="0"/>
-                <a:cs typeface="Open Sans" pitchFamily="34" charset="0"/>
-              </a:rPr>
-              <a:t>, </a:t>
-            </a:r>
-            <a:r>
-              <a:rPr lang="es-US" sz="1400" dirty="0" err="1">
-                <a:solidFill>
-                  <a:schemeClr val="bg1"/>
-                </a:solidFill>
-                <a:latin typeface="Open Sans" pitchFamily="34" charset="0"/>
-                <a:ea typeface="Open Sans" pitchFamily="34" charset="0"/>
-                <a:cs typeface="Open Sans" pitchFamily="34" charset="0"/>
-              </a:rPr>
-              <a:t>Commitee</a:t>
-            </a:r>
-            <a:r>
-              <a:rPr lang="es-US" sz="1400" dirty="0">
-                <a:solidFill>
-                  <a:schemeClr val="bg1"/>
-                </a:solidFill>
-                <a:latin typeface="Open Sans" pitchFamily="34" charset="0"/>
-                <a:ea typeface="Open Sans" pitchFamily="34" charset="0"/>
-                <a:cs typeface="Open Sans" pitchFamily="34" charset="0"/>
-              </a:rPr>
-              <a:t> Leader, </a:t>
-            </a:r>
-            <a:r>
-              <a:rPr lang="es-US" sz="1400" dirty="0" err="1">
-                <a:solidFill>
-                  <a:schemeClr val="bg1"/>
-                </a:solidFill>
-                <a:latin typeface="Open Sans" pitchFamily="34" charset="0"/>
-                <a:ea typeface="Open Sans" pitchFamily="34" charset="0"/>
-                <a:cs typeface="Open Sans" pitchFamily="34" charset="0"/>
-              </a:rPr>
-              <a:t>Program</a:t>
-            </a:r>
-            <a:r>
-              <a:rPr lang="es-US" sz="1400" dirty="0">
-                <a:solidFill>
-                  <a:schemeClr val="bg1"/>
-                </a:solidFill>
-                <a:latin typeface="Open Sans" pitchFamily="34" charset="0"/>
-                <a:ea typeface="Open Sans" pitchFamily="34" charset="0"/>
-                <a:cs typeface="Open Sans" pitchFamily="34" charset="0"/>
-              </a:rPr>
-              <a:t> Manager) to </a:t>
-            </a:r>
-            <a:r>
-              <a:rPr lang="es-US" sz="1400" dirty="0" err="1">
-                <a:solidFill>
-                  <a:schemeClr val="bg1"/>
-                </a:solidFill>
-                <a:latin typeface="Open Sans" pitchFamily="34" charset="0"/>
-                <a:ea typeface="Open Sans" pitchFamily="34" charset="0"/>
-                <a:cs typeface="Open Sans" pitchFamily="34" charset="0"/>
-              </a:rPr>
-              <a:t>create</a:t>
-            </a:r>
-            <a:r>
-              <a:rPr lang="es-US" sz="1400" dirty="0">
-                <a:solidFill>
-                  <a:schemeClr val="bg1"/>
-                </a:solidFill>
-                <a:latin typeface="Open Sans" pitchFamily="34" charset="0"/>
-                <a:ea typeface="Open Sans" pitchFamily="34" charset="0"/>
-                <a:cs typeface="Open Sans" pitchFamily="34" charset="0"/>
-              </a:rPr>
-              <a:t> </a:t>
-            </a:r>
-            <a:r>
-              <a:rPr lang="es-US" sz="1400" dirty="0" err="1">
-                <a:solidFill>
-                  <a:schemeClr val="bg1"/>
-                </a:solidFill>
-                <a:latin typeface="Open Sans" pitchFamily="34" charset="0"/>
-                <a:ea typeface="Open Sans" pitchFamily="34" charset="0"/>
-                <a:cs typeface="Open Sans" pitchFamily="34" charset="0"/>
-              </a:rPr>
-              <a:t>the</a:t>
-            </a:r>
-            <a:r>
-              <a:rPr lang="es-US" sz="1400" dirty="0">
-                <a:solidFill>
-                  <a:schemeClr val="bg1"/>
-                </a:solidFill>
-                <a:latin typeface="Open Sans" pitchFamily="34" charset="0"/>
-                <a:ea typeface="Open Sans" pitchFamily="34" charset="0"/>
-                <a:cs typeface="Open Sans" pitchFamily="34" charset="0"/>
-              </a:rPr>
-              <a:t> </a:t>
-            </a:r>
-            <a:r>
-              <a:rPr lang="en-MY" sz="1400" dirty="0">
-                <a:solidFill>
-                  <a:schemeClr val="bg1"/>
-                </a:solidFill>
-                <a:latin typeface="Open Sans" pitchFamily="34" charset="0"/>
-                <a:ea typeface="Open Sans" pitchFamily="34" charset="0"/>
-                <a:cs typeface="Open Sans" pitchFamily="34" charset="0"/>
-              </a:rPr>
-              <a:t>system</a:t>
-            </a:r>
-            <a:r>
-              <a:rPr lang="es-US" sz="1400" dirty="0">
-                <a:solidFill>
-                  <a:schemeClr val="bg1"/>
-                </a:solidFill>
-                <a:latin typeface="Open Sans" pitchFamily="34" charset="0"/>
-                <a:ea typeface="Open Sans" pitchFamily="34" charset="0"/>
-                <a:cs typeface="Open Sans" pitchFamily="34" charset="0"/>
-              </a:rPr>
-              <a:t>. </a:t>
-            </a:r>
-            <a:endParaRPr lang="en-US" sz="1400" dirty="0">
+            <a:endParaRPr lang="en-MY" sz="1400" dirty="0" smtClean="0">
               <a:solidFill>
                 <a:schemeClr val="bg1"/>
               </a:solidFill>
@@ -34141,6 +33789,9 @@
   <p:clrMapOvr>
     <a:masterClrMapping/>
   </p:clrMapOvr>
+  <p:transition spd="slow">
+    <p:push dir="u"/>
+  </p:transition>
 </p:sld>
 </file>
 
@@ -34248,7 +33899,7 @@
               <a:t>The </a:t>
             </a:r>
             <a:r>
-              <a:rPr lang="en-US" b="1" dirty="0">
+              <a:rPr lang="en-US" b="1" dirty="0" smtClean="0">
                 <a:solidFill>
                   <a:schemeClr val="bg1"/>
                 </a:solidFill>
@@ -34256,7 +33907,7 @@
                 <a:ea typeface="Open Sans" pitchFamily="34" charset="0"/>
                 <a:cs typeface="Open Sans" pitchFamily="34" charset="0"/>
               </a:rPr>
-              <a:t>Value</a:t>
+              <a:t>Values</a:t>
             </a:r>
             <a:endParaRPr lang="en-IN" b="1" dirty="0">
               <a:solidFill>
@@ -34291,9 +33942,72 @@
           <a:p>
             <a:pPr algn="l"/>
             <a:r>
+              <a:rPr lang="en-MY" dirty="0" smtClean="0"/>
+              <a:t>Values w</a:t>
+            </a:r>
+            <a:r>
+              <a:rPr lang="en-MY" dirty="0" smtClean="0"/>
+              <a:t>e </a:t>
+            </a:r>
+            <a:r>
               <a:rPr lang="en-MY" dirty="0"/>
-              <a:t>We tried to deliver:</a:t>
+              <a:t>tried to deliver</a:t>
             </a:r>
+            <a:r>
+              <a:rPr lang="en-MY" dirty="0" smtClean="0"/>
+              <a:t>:</a:t>
+            </a:r>
+          </a:p>
+          <a:p>
+            <a:pPr marL="571500" indent="-571500" algn="l">
+              <a:buFont typeface="Arial" panose="020B0604020202020204" pitchFamily="34" charset="0"/>
+              <a:buChar char="•"/>
+            </a:pPr>
+            <a:r>
+              <a:rPr lang="en-MY" dirty="0" smtClean="0"/>
+              <a:t>User-friendly</a:t>
+            </a:r>
+          </a:p>
+          <a:p>
+            <a:pPr marL="571500" indent="-571500" algn="l">
+              <a:buFont typeface="Arial" panose="020B0604020202020204" pitchFamily="34" charset="0"/>
+              <a:buChar char="•"/>
+            </a:pPr>
+            <a:r>
+              <a:rPr lang="en-MY" dirty="0" smtClean="0"/>
+              <a:t>Users do not need to input ID again to join events.</a:t>
+            </a:r>
+          </a:p>
+          <a:p>
+            <a:pPr marL="571500" indent="-571500" algn="l">
+              <a:buFont typeface="Arial" panose="020B0604020202020204" pitchFamily="34" charset="0"/>
+              <a:buChar char="•"/>
+            </a:pPr>
+            <a:r>
+              <a:rPr lang="en-MY" dirty="0" smtClean="0"/>
+              <a:t>One page view.</a:t>
+            </a:r>
+          </a:p>
+          <a:p>
+            <a:pPr marL="571500" indent="-571500" algn="l">
+              <a:buFont typeface="Arial" panose="020B0604020202020204" pitchFamily="34" charset="0"/>
+              <a:buChar char="•"/>
+            </a:pPr>
+            <a:r>
+              <a:rPr lang="en-MY" dirty="0" smtClean="0"/>
+              <a:t>Easy navigation and flexible.</a:t>
+            </a:r>
+          </a:p>
+          <a:p>
+            <a:pPr marL="571500" indent="-571500" algn="l">
+              <a:buFont typeface="Arial" panose="020B0604020202020204" pitchFamily="34" charset="0"/>
+              <a:buChar char="•"/>
+            </a:pPr>
+            <a:r>
+              <a:rPr lang="en-MY" dirty="0" smtClean="0"/>
+              <a:t>Responsive design (most devices).</a:t>
+            </a:r>
+            <a:endParaRPr lang="en-MY" dirty="0"/>
           </a:p>
           <a:p>
             <a:pPr marL="571500" indent="-571500" algn="l">
@@ -34314,6 +34028,9 @@
   <p:clrMapOvr>
     <a:masterClrMapping/>
   </p:clrMapOvr>
+  <p:transition spd="slow">
+    <p:push dir="u"/>
+  </p:transition>
 </p:sld>
 </file>
 
@@ -34908,6 +34625,9 @@
   <p:clrMapOvr>
     <a:masterClrMapping/>
   </p:clrMapOvr>
+  <p:transition spd="slow">
+    <p:push dir="u"/>
+  </p:transition>
 </p:sld>
 </file>
 
@@ -35264,6 +34984,9 @@
   <p:clrMapOvr>
     <a:masterClrMapping/>
   </p:clrMapOvr>
+  <p:transition spd="slow">
+    <p:push dir="u"/>
+  </p:transition>
 </p:sld>
 </file>
 
@@ -35418,8 +35141,53 @@
             </a:pPr>
             <a:r>
               <a:rPr lang="en-MY" dirty="0"/>
-              <a:t>Develop a complete functional module for ITDP Program Manager</a:t>
+              <a:t>Develop a complete functional module for ITDP Program </a:t>
             </a:r>
+            <a:r>
+              <a:rPr lang="en-MY" dirty="0" smtClean="0"/>
+              <a:t>Manager.</a:t>
+            </a:r>
+          </a:p>
+          <a:p>
+            <a:pPr marL="571500" indent="-571500" algn="l">
+              <a:buFont typeface="Arial" panose="020B0604020202020204" pitchFamily="34" charset="0"/>
+              <a:buChar char="•"/>
+            </a:pPr>
+            <a:r>
+              <a:rPr lang="en-MY" dirty="0" smtClean="0"/>
+              <a:t>Achievement or energy system based on training hours and badges are provided. (Gamification)</a:t>
+            </a:r>
+          </a:p>
+          <a:p>
+            <a:pPr marL="571500" indent="-571500" algn="l">
+              <a:buFont typeface="Arial" panose="020B0604020202020204" pitchFamily="34" charset="0"/>
+              <a:buChar char="•"/>
+            </a:pPr>
+            <a:r>
+              <a:rPr lang="en-MY" dirty="0" smtClean="0"/>
+              <a:t>Allow feedback to be submitted to the database.</a:t>
+            </a:r>
+          </a:p>
+          <a:p>
+            <a:pPr marL="571500" indent="-571500" algn="l">
+              <a:buFont typeface="Arial" panose="020B0604020202020204" pitchFamily="34" charset="0"/>
+              <a:buChar char="•"/>
+            </a:pPr>
+            <a:r>
+              <a:rPr lang="en-MY" dirty="0" smtClean="0"/>
+              <a:t>Create a complete personal dashboard.</a:t>
+            </a:r>
+          </a:p>
+          <a:p>
+            <a:pPr marL="571500" indent="-571500" algn="l">
+              <a:buFont typeface="Arial" panose="020B0604020202020204" pitchFamily="34" charset="0"/>
+              <a:buChar char="•"/>
+            </a:pPr>
+            <a:r>
+              <a:rPr lang="en-MY" dirty="0" smtClean="0"/>
+              <a:t>Hashing function for password.</a:t>
+            </a:r>
+            <a:endParaRPr lang="en-MY" dirty="0"/>
           </a:p>
         </p:txBody>
       </p:sp>
@@ -35433,6 +35201,9 @@
   <p:clrMapOvr>
     <a:masterClrMapping/>
   </p:clrMapOvr>
+  <p:transition spd="slow">
+    <p:push dir="u"/>
+  </p:transition>
 </p:sld>
 </file>
 

--- a/Documentation/PresentationDeck-NewBlood.pptx
+++ b/Documentation/PresentationDeck-NewBlood.pptx
@@ -29948,6 +29948,13 @@
   <p:transition spd="slow">
     <p:push dir="u"/>
   </p:transition>
+  <p:timing>
+    <p:tnLst>
+      <p:par>
+        <p:cTn id="1" dur="indefinite" restart="never" nodeType="tmRoot"/>
+      </p:par>
+    </p:tnLst>
+  </p:timing>
 </p:sld>
 </file>
 
@@ -33943,11 +33950,7 @@
             <a:pPr algn="l"/>
             <a:r>
               <a:rPr lang="en-MY" dirty="0" smtClean="0"/>
-              <a:t>Values w</a:t>
-            </a:r>
-            <a:r>
-              <a:rPr lang="en-MY" dirty="0" smtClean="0"/>
-              <a:t>e </a:t>
+              <a:t>Values we </a:t>
             </a:r>
             <a:r>
               <a:rPr lang="en-MY" dirty="0"/>
@@ -34224,17 +34227,7 @@
               <a:buChar char="•"/>
             </a:pPr>
             <a:r>
-              <a:rPr lang="en-MY" dirty="0"/>
-              <a:t>AJAX</a:t>
-            </a:r>
-          </a:p>
-          <a:p>
-            <a:pPr marL="571500" indent="-571500" algn="l">
-              <a:buFont typeface="Arial" panose="020B0604020202020204" pitchFamily="34" charset="0"/>
-              <a:buChar char="•"/>
-            </a:pPr>
-            <a:r>
-              <a:rPr lang="en-MY" dirty="0" err="1"/>
+              <a:rPr lang="en-MY" dirty="0" err="1" smtClean="0"/>
               <a:t>GitLab</a:t>
             </a:r>
             <a:endParaRPr lang="en-MY" dirty="0"/>
@@ -34523,53 +34516,6 @@
       </p:pic>
       <p:pic>
         <p:nvPicPr>
-          <p:cNvPr id="1044" name="Picture 20" descr="AJAX logo vector">
-            <a:extLst>
-              <a:ext uri="{FF2B5EF4-FFF2-40B4-BE49-F238E27FC236}">
-                <a16:creationId xmlns:a16="http://schemas.microsoft.com/office/drawing/2014/main" id="{AFB83B69-56CB-48A1-BCA6-D469823BADEA}"/>
-              </a:ext>
-            </a:extLst>
-          </p:cNvPr>
-          <p:cNvPicPr>
-            <a:picLocks noChangeAspect="1" noChangeArrowheads="1"/>
-          </p:cNvPicPr>
-          <p:nvPr/>
-        </p:nvPicPr>
-        <p:blipFill>
-          <a:blip r:embed="rId7">
-            <a:extLst>
-              <a:ext uri="{28A0092B-C50C-407E-A947-70E740481C1C}">
-                <a14:useLocalDpi xmlns:a14="http://schemas.microsoft.com/office/drawing/2010/main" val="0"/>
-              </a:ext>
-            </a:extLst>
-          </a:blip>
-          <a:srcRect/>
-          <a:stretch>
-            <a:fillRect/>
-          </a:stretch>
-        </p:blipFill>
-        <p:spPr bwMode="auto">
-          <a:xfrm>
-            <a:off x="8425979" y="4833109"/>
-            <a:ext cx="1628873" cy="1628873"/>
-          </a:xfrm>
-          <a:prstGeom prst="rect">
-            <a:avLst/>
-          </a:prstGeom>
-          <a:noFill/>
-          <a:extLst>
-            <a:ext uri="{909E8E84-426E-40DD-AFC4-6F175D3DCCD1}">
-              <a14:hiddenFill xmlns:a14="http://schemas.microsoft.com/office/drawing/2010/main">
-                <a:solidFill>
-                  <a:srgbClr val="FFFFFF"/>
-                </a:solidFill>
-              </a14:hiddenFill>
-            </a:ext>
-          </a:extLst>
-        </p:spPr>
-      </p:pic>
-      <p:pic>
-        <p:nvPicPr>
           <p:cNvPr id="1046" name="Picture 22">
             <a:extLst>
               <a:ext uri="{FF2B5EF4-FFF2-40B4-BE49-F238E27FC236}">
@@ -34583,7 +34529,7 @@
           <p:nvPr/>
         </p:nvPicPr>
         <p:blipFill>
-          <a:blip r:embed="rId8" cstate="print">
+          <a:blip r:embed="rId7" cstate="print">
             <a:extLst>
               <a:ext uri="{28A0092B-C50C-407E-A947-70E740481C1C}">
                 <a14:useLocalDpi xmlns:a14="http://schemas.microsoft.com/office/drawing/2010/main" val="0"/>

--- a/Documentation/PresentationDeck-NewBlood.pptx
+++ b/Documentation/PresentationDeck-NewBlood.pptx
@@ -4628,13 +4628,6 @@
   <p:transition spd="slow">
     <p:push dir="u"/>
   </p:transition>
-  <p:timing>
-    <p:tnLst>
-      <p:par>
-        <p:cTn id="1" dur="indefinite" restart="never" nodeType="tmRoot"/>
-      </p:par>
-    </p:tnLst>
-  </p:timing>
 </p:sld>
 </file>
 
@@ -29948,13 +29941,6 @@
   <p:transition spd="slow">
     <p:push dir="u"/>
   </p:transition>
-  <p:timing>
-    <p:tnLst>
-      <p:par>
-        <p:cTn id="1" dur="indefinite" restart="never" nodeType="tmRoot"/>
-      </p:par>
-    </p:tnLst>
-  </p:timing>
 </p:sld>
 </file>
 
@@ -30330,7 +30316,7 @@
               </a:lnSpc>
             </a:pPr>
             <a:r>
-              <a:rPr lang="es-US" sz="1400" dirty="0" smtClean="0">
+              <a:rPr lang="es-US" sz="1400" dirty="0">
                 <a:solidFill>
                   <a:schemeClr val="bg1"/>
                 </a:solidFill>
@@ -30341,7 +30327,7 @@
               <a:t>Extreme </a:t>
             </a:r>
             <a:r>
-              <a:rPr lang="es-US" sz="1400" dirty="0" err="1" smtClean="0">
+              <a:rPr lang="es-US" sz="1400" dirty="0" err="1">
                 <a:solidFill>
                   <a:schemeClr val="bg1"/>
                 </a:solidFill>
@@ -30367,7 +30353,7 @@
               </a:lnSpc>
             </a:pPr>
             <a:r>
-              <a:rPr lang="es-US" sz="1400" dirty="0" err="1" smtClean="0">
+              <a:rPr lang="es-US" sz="1400" dirty="0" err="1">
                 <a:solidFill>
                   <a:schemeClr val="bg1"/>
                 </a:solidFill>
@@ -30378,7 +30364,7 @@
               <a:t>Some</a:t>
             </a:r>
             <a:r>
-              <a:rPr lang="es-US" sz="1400" dirty="0" smtClean="0">
+              <a:rPr lang="es-US" sz="1400" dirty="0">
                 <a:solidFill>
                   <a:schemeClr val="bg1"/>
                 </a:solidFill>
@@ -30389,7 +30375,7 @@
               <a:t> </a:t>
             </a:r>
             <a:r>
-              <a:rPr lang="es-US" sz="1400" dirty="0" err="1" smtClean="0">
+              <a:rPr lang="es-US" sz="1400" dirty="0" err="1">
                 <a:solidFill>
                   <a:schemeClr val="bg1"/>
                 </a:solidFill>
@@ -30400,7 +30386,7 @@
               <a:t>integration</a:t>
             </a:r>
             <a:r>
-              <a:rPr lang="es-US" sz="1400" dirty="0" smtClean="0">
+              <a:rPr lang="es-US" sz="1400" dirty="0">
                 <a:solidFill>
                   <a:schemeClr val="bg1"/>
                 </a:solidFill>
@@ -30411,7 +30397,7 @@
               <a:t> </a:t>
             </a:r>
             <a:r>
-              <a:rPr lang="es-US" sz="1400" dirty="0" err="1" smtClean="0">
+              <a:rPr lang="es-US" sz="1400" dirty="0" err="1">
                 <a:solidFill>
                   <a:schemeClr val="bg1"/>
                 </a:solidFill>
@@ -30421,7 +30407,7 @@
               </a:rPr>
               <a:t>issues</a:t>
             </a:r>
-            <a:endParaRPr lang="es-US" sz="1400" dirty="0" smtClean="0">
+            <a:endParaRPr lang="es-US" sz="1400" dirty="0">
               <a:solidFill>
                 <a:schemeClr val="bg1"/>
               </a:solidFill>
@@ -30437,7 +30423,7 @@
               </a:lnSpc>
             </a:pPr>
             <a:r>
-              <a:rPr lang="es-US" sz="1400" dirty="0" err="1" smtClean="0">
+              <a:rPr lang="es-US" sz="1400" dirty="0" err="1">
                 <a:solidFill>
                   <a:schemeClr val="bg1"/>
                 </a:solidFill>
@@ -30448,7 +30434,7 @@
               <a:t>Overplanning</a:t>
             </a:r>
             <a:r>
-              <a:rPr lang="es-US" sz="1400" dirty="0" smtClean="0">
+              <a:rPr lang="es-US" sz="1400" dirty="0">
                 <a:solidFill>
                   <a:schemeClr val="bg1"/>
                 </a:solidFill>
@@ -30493,7 +30479,7 @@
           <a:p>
             <a:pPr algn="ctr"/>
             <a:r>
-              <a:rPr lang="en-IN" sz="2000" b="1" dirty="0" smtClean="0">
+              <a:rPr lang="en-IN" sz="2000" b="1" dirty="0">
                 <a:solidFill>
                   <a:schemeClr val="bg1"/>
                 </a:solidFill>
@@ -30503,14 +30489,6 @@
               </a:rPr>
               <a:t>PROBLEMS</a:t>
             </a:r>
-            <a:endParaRPr lang="en-IN" sz="2000" b="1" dirty="0">
-              <a:solidFill>
-                <a:schemeClr val="bg1"/>
-              </a:solidFill>
-              <a:latin typeface="Open Sans" pitchFamily="34" charset="0"/>
-              <a:ea typeface="Open Sans" pitchFamily="34" charset="0"/>
-              <a:cs typeface="Open Sans" pitchFamily="34" charset="0"/>
-            </a:endParaRPr>
           </a:p>
         </p:txBody>
       </p:sp>
@@ -30542,7 +30520,7 @@
               </a:lnSpc>
             </a:pPr>
             <a:r>
-              <a:rPr lang="en-MY" sz="1400" dirty="0" smtClean="0">
+              <a:rPr lang="en-MY" sz="1400" dirty="0">
                 <a:solidFill>
                   <a:schemeClr val="bg1"/>
                 </a:solidFill>
@@ -30553,7 +30531,7 @@
               <a:t>We focused more on the Participants and Committee Lead personas</a:t>
             </a:r>
             <a:r>
-              <a:rPr lang="en-US" sz="1400" dirty="0" smtClean="0">
+              <a:rPr lang="en-US" sz="1400" dirty="0">
                 <a:solidFill>
                   <a:schemeClr val="bg1"/>
                 </a:solidFill>
@@ -30563,7 +30541,7 @@
               </a:rPr>
               <a:t>, and we focused more on the important functions</a:t>
             </a:r>
-            <a:endParaRPr lang="en-MY" sz="1400" dirty="0" smtClean="0">
+            <a:endParaRPr lang="en-MY" sz="1400" dirty="0">
               <a:solidFill>
                 <a:schemeClr val="bg1"/>
               </a:solidFill>
@@ -33906,7 +33884,7 @@
               <a:t>The </a:t>
             </a:r>
             <a:r>
-              <a:rPr lang="en-US" b="1" dirty="0" smtClean="0">
+              <a:rPr lang="en-US" b="1" dirty="0">
                 <a:solidFill>
                   <a:schemeClr val="bg1"/>
                 </a:solidFill>
@@ -33949,16 +33927,8 @@
           <a:p>
             <a:pPr algn="l"/>
             <a:r>
-              <a:rPr lang="en-MY" dirty="0" smtClean="0"/>
-              <a:t>Values we </a:t>
-            </a:r>
-            <a:r>
               <a:rPr lang="en-MY" dirty="0"/>
-              <a:t>tried to deliver</a:t>
-            </a:r>
-            <a:r>
-              <a:rPr lang="en-MY" dirty="0" smtClean="0"/>
-              <a:t>:</a:t>
+              <a:t>Values we tried to deliver:</a:t>
             </a:r>
           </a:p>
           <a:p>
@@ -33967,7 +33937,7 @@
               <a:buChar char="•"/>
             </a:pPr>
             <a:r>
-              <a:rPr lang="en-MY" dirty="0" smtClean="0"/>
+              <a:rPr lang="en-MY" dirty="0"/>
               <a:t>User-friendly</a:t>
             </a:r>
           </a:p>
@@ -33977,7 +33947,7 @@
               <a:buChar char="•"/>
             </a:pPr>
             <a:r>
-              <a:rPr lang="en-MY" dirty="0" smtClean="0"/>
+              <a:rPr lang="en-MY" dirty="0"/>
               <a:t>Users do not need to input ID again to join events.</a:t>
             </a:r>
           </a:p>
@@ -33987,7 +33957,7 @@
               <a:buChar char="•"/>
             </a:pPr>
             <a:r>
-              <a:rPr lang="en-MY" dirty="0" smtClean="0"/>
+              <a:rPr lang="en-MY" dirty="0"/>
               <a:t>One page view.</a:t>
             </a:r>
           </a:p>
@@ -33997,7 +33967,7 @@
               <a:buChar char="•"/>
             </a:pPr>
             <a:r>
-              <a:rPr lang="en-MY" dirty="0" smtClean="0"/>
+              <a:rPr lang="en-MY" dirty="0"/>
               <a:t>Easy navigation and flexible.</a:t>
             </a:r>
           </a:p>
@@ -34007,10 +33977,9 @@
               <a:buChar char="•"/>
             </a:pPr>
             <a:r>
-              <a:rPr lang="en-MY" dirty="0" smtClean="0"/>
+              <a:rPr lang="en-MY" dirty="0"/>
               <a:t>Responsive design (most devices).</a:t>
             </a:r>
-            <a:endParaRPr lang="en-MY" dirty="0"/>
           </a:p>
           <a:p>
             <a:pPr marL="571500" indent="-571500" algn="l">
@@ -34227,7 +34196,7 @@
               <a:buChar char="•"/>
             </a:pPr>
             <a:r>
-              <a:rPr lang="en-MY" dirty="0" err="1" smtClean="0"/>
+              <a:rPr lang="en-MY" dirty="0" err="1"/>
               <a:t>GitLab</a:t>
             </a:r>
             <a:endParaRPr lang="en-MY" dirty="0"/>
@@ -34263,7 +34232,7 @@
         </p:blipFill>
         <p:spPr bwMode="auto">
           <a:xfrm>
-            <a:off x="4768123" y="3423345"/>
+            <a:off x="4894674" y="3601887"/>
             <a:ext cx="1503610" cy="1503610"/>
           </a:xfrm>
           <a:prstGeom prst="rect">
@@ -34357,7 +34326,7 @@
         </p:blipFill>
         <p:spPr bwMode="auto">
           <a:xfrm>
-            <a:off x="8398668" y="1967905"/>
+            <a:off x="8650088" y="2123299"/>
             <a:ext cx="1813781" cy="961304"/>
           </a:xfrm>
           <a:prstGeom prst="rect">
@@ -34449,7 +34418,7 @@
         </p:blipFill>
         <p:spPr bwMode="auto">
           <a:xfrm>
-            <a:off x="9590750" y="3304592"/>
+            <a:off x="9556979" y="3776562"/>
             <a:ext cx="1993403" cy="1328935"/>
           </a:xfrm>
           <a:prstGeom prst="rect">
@@ -34496,7 +34465,7 @@
         </p:blipFill>
         <p:spPr bwMode="auto">
           <a:xfrm>
-            <a:off x="5671889" y="4769179"/>
+            <a:off x="7030342" y="4881837"/>
             <a:ext cx="1934343" cy="1934343"/>
           </a:xfrm>
           <a:prstGeom prst="rect">
@@ -35087,11 +35056,7 @@
             </a:pPr>
             <a:r>
               <a:rPr lang="en-MY" dirty="0"/>
-              <a:t>Develop a complete functional module for ITDP Program </a:t>
-            </a:r>
-            <a:r>
-              <a:rPr lang="en-MY" dirty="0" smtClean="0"/>
-              <a:t>Manager.</a:t>
+              <a:t>Develop a complete functional module for ITDP Program Manager.</a:t>
             </a:r>
           </a:p>
           <a:p>
@@ -35100,7 +35065,7 @@
               <a:buChar char="•"/>
             </a:pPr>
             <a:r>
-              <a:rPr lang="en-MY" dirty="0" smtClean="0"/>
+              <a:rPr lang="en-MY" dirty="0"/>
               <a:t>Achievement or energy system based on training hours and badges are provided. (Gamification)</a:t>
             </a:r>
           </a:p>
@@ -35110,7 +35075,7 @@
               <a:buChar char="•"/>
             </a:pPr>
             <a:r>
-              <a:rPr lang="en-MY" dirty="0" smtClean="0"/>
+              <a:rPr lang="en-MY" dirty="0"/>
               <a:t>Allow feedback to be submitted to the database.</a:t>
             </a:r>
           </a:p>
@@ -35120,7 +35085,7 @@
               <a:buChar char="•"/>
             </a:pPr>
             <a:r>
-              <a:rPr lang="en-MY" dirty="0" smtClean="0"/>
+              <a:rPr lang="en-MY" dirty="0"/>
               <a:t>Create a complete personal dashboard.</a:t>
             </a:r>
           </a:p>
@@ -35130,10 +35095,9 @@
               <a:buChar char="•"/>
             </a:pPr>
             <a:r>
-              <a:rPr lang="en-MY" dirty="0" smtClean="0"/>
+              <a:rPr lang="en-MY" dirty="0"/>
               <a:t>Hashing function for password.</a:t>
             </a:r>
-            <a:endParaRPr lang="en-MY" dirty="0"/>
           </a:p>
         </p:txBody>
       </p:sp>

--- a/Documentation/PresentationDeck-NewBlood.pptx
+++ b/Documentation/PresentationDeck-NewBlood.pptx
@@ -29992,7 +29992,7 @@
           <a:lstStyle/>
           <a:p>
             <a:r>
-              <a:rPr lang="en-US" dirty="0">
+              <a:rPr lang="en-US">
                 <a:solidFill>
                   <a:schemeClr val="bg1"/>
                 </a:solidFill>
@@ -30003,7 +30003,7 @@
               <a:t>The </a:t>
             </a:r>
             <a:r>
-              <a:rPr lang="en-US" b="1" dirty="0">
+              <a:rPr lang="en-US" b="1" smtClean="0">
                 <a:solidFill>
                   <a:schemeClr val="bg1"/>
                 </a:solidFill>
@@ -30011,7 +30011,7 @@
                 <a:ea typeface="Open Sans" pitchFamily="34" charset="0"/>
                 <a:cs typeface="Open Sans" pitchFamily="34" charset="0"/>
               </a:rPr>
-              <a:t>Problem Statement</a:t>
+              <a:t>Problem</a:t>
             </a:r>
             <a:endParaRPr lang="en-IN" b="1" dirty="0">
               <a:solidFill>

--- a/Documentation/PresentationDeck-NewBlood.pptx
+++ b/Documentation/PresentationDeck-NewBlood.pptx
@@ -4628,6 +4628,13 @@
   <p:transition spd="slow">
     <p:push dir="u"/>
   </p:transition>
+  <p:timing>
+    <p:tnLst>
+      <p:par>
+        <p:cTn id="1" dur="indefinite" restart="never" nodeType="tmRoot"/>
+      </p:par>
+    </p:tnLst>
+  </p:timing>
 </p:sld>
 </file>
 
@@ -29941,6 +29948,13 @@
   <p:transition spd="slow">
     <p:push dir="u"/>
   </p:transition>
+  <p:timing>
+    <p:tnLst>
+      <p:par>
+        <p:cTn id="1" dur="indefinite" restart="never" nodeType="tmRoot"/>
+      </p:par>
+    </p:tnLst>
+  </p:timing>
 </p:sld>
 </file>
 
@@ -29992,7 +30006,7 @@
           <a:lstStyle/>
           <a:p>
             <a:r>
-              <a:rPr lang="en-US">
+              <a:rPr lang="en-US" dirty="0">
                 <a:solidFill>
                   <a:schemeClr val="bg1"/>
                 </a:solidFill>
@@ -30003,7 +30017,7 @@
               <a:t>The </a:t>
             </a:r>
             <a:r>
-              <a:rPr lang="en-US" b="1" smtClean="0">
+              <a:rPr lang="en-US" b="1" dirty="0" smtClean="0">
                 <a:solidFill>
                   <a:schemeClr val="bg1"/>
                 </a:solidFill>
@@ -33777,6 +33791,13 @@
   <p:transition spd="slow">
     <p:push dir="u"/>
   </p:transition>
+  <p:timing>
+    <p:tnLst>
+      <p:par>
+        <p:cTn id="1" dur="indefinite" restart="never" nodeType="tmRoot"/>
+      </p:par>
+    </p:tnLst>
+  </p:timing>
 </p:sld>
 </file>
 
@@ -34003,6 +34024,13 @@
   <p:transition spd="slow">
     <p:push dir="u"/>
   </p:transition>
+  <p:timing>
+    <p:tnLst>
+      <p:par>
+        <p:cTn id="1" dur="indefinite" restart="never" nodeType="tmRoot"/>
+      </p:par>
+    </p:tnLst>
+  </p:timing>
 </p:sld>
 </file>
 
@@ -34166,9 +34194,24 @@
               <a:buChar char="•"/>
             </a:pPr>
             <a:r>
-              <a:rPr lang="en-MY" dirty="0"/>
+              <a:rPr lang="en-MY" dirty="0" smtClean="0"/>
               <a:t>PHP</a:t>
             </a:r>
+          </a:p>
+          <a:p>
+            <a:pPr marL="571500" indent="-571500" algn="l">
+              <a:buFont typeface="Arial" panose="020B0604020202020204" pitchFamily="34" charset="0"/>
+              <a:buChar char="•"/>
+            </a:pPr>
+            <a:r>
+              <a:rPr lang="en-MY" dirty="0" smtClean="0"/>
+              <a:t>Bootstra</a:t>
+            </a:r>
+            <a:r>
+              <a:rPr lang="en-MY" dirty="0"/>
+              <a:t>p</a:t>
+            </a:r>
+            <a:endParaRPr lang="en-MY" dirty="0"/>
           </a:p>
           <a:p>
             <a:pPr marL="571500" indent="-571500" algn="l">
@@ -34543,6 +34586,13 @@
   <p:transition spd="slow">
     <p:push dir="u"/>
   </p:transition>
+  <p:timing>
+    <p:tnLst>
+      <p:par>
+        <p:cTn id="1" dur="indefinite" restart="never" nodeType="tmRoot"/>
+      </p:par>
+    </p:tnLst>
+  </p:timing>
 </p:sld>
 </file>
 
@@ -34902,6 +34952,13 @@
   <p:transition spd="slow">
     <p:push dir="u"/>
   </p:transition>
+  <p:timing>
+    <p:tnLst>
+      <p:par>
+        <p:cTn id="1" dur="indefinite" restart="never" nodeType="tmRoot"/>
+      </p:par>
+    </p:tnLst>
+  </p:timing>
 </p:sld>
 </file>
 
@@ -35114,6 +35171,13 @@
   <p:transition spd="slow">
     <p:push dir="u"/>
   </p:transition>
+  <p:timing>
+    <p:tnLst>
+      <p:par>
+        <p:cTn id="1" dur="indefinite" restart="never" nodeType="tmRoot"/>
+      </p:par>
+    </p:tnLst>
+  </p:timing>
 </p:sld>
 </file>
 
